--- a/Student Portal PPT.pptx
+++ b/Student Portal PPT.pptx
@@ -5,29 +5,30 @@
     <p:sldMasterId id="2147483648" r:id="rId4"/>
   </p:sldMasterIdLst>
   <p:notesMasterIdLst>
-    <p:notesMasterId r:id="rId22"/>
+    <p:notesMasterId r:id="rId23"/>
   </p:notesMasterIdLst>
   <p:handoutMasterIdLst>
-    <p:handoutMasterId r:id="rId23"/>
+    <p:handoutMasterId r:id="rId24"/>
   </p:handoutMasterIdLst>
   <p:sldIdLst>
     <p:sldId id="256" r:id="rId5"/>
     <p:sldId id="258" r:id="rId6"/>
     <p:sldId id="267" r:id="rId7"/>
-    <p:sldId id="276" r:id="rId8"/>
-    <p:sldId id="257" r:id="rId9"/>
-    <p:sldId id="275" r:id="rId10"/>
-    <p:sldId id="259" r:id="rId11"/>
-    <p:sldId id="269" r:id="rId12"/>
-    <p:sldId id="268" r:id="rId13"/>
-    <p:sldId id="264" r:id="rId14"/>
-    <p:sldId id="270" r:id="rId15"/>
-    <p:sldId id="271" r:id="rId16"/>
-    <p:sldId id="272" r:id="rId17"/>
-    <p:sldId id="273" r:id="rId18"/>
-    <p:sldId id="274" r:id="rId19"/>
-    <p:sldId id="261" r:id="rId20"/>
-    <p:sldId id="265" r:id="rId21"/>
+    <p:sldId id="277" r:id="rId8"/>
+    <p:sldId id="276" r:id="rId9"/>
+    <p:sldId id="257" r:id="rId10"/>
+    <p:sldId id="275" r:id="rId11"/>
+    <p:sldId id="259" r:id="rId12"/>
+    <p:sldId id="269" r:id="rId13"/>
+    <p:sldId id="268" r:id="rId14"/>
+    <p:sldId id="264" r:id="rId15"/>
+    <p:sldId id="270" r:id="rId16"/>
+    <p:sldId id="271" r:id="rId17"/>
+    <p:sldId id="272" r:id="rId18"/>
+    <p:sldId id="273" r:id="rId19"/>
+    <p:sldId id="274" r:id="rId20"/>
+    <p:sldId id="261" r:id="rId21"/>
+    <p:sldId id="265" r:id="rId22"/>
   </p:sldIdLst>
   <p:sldSz cx="12192000" cy="6858000"/>
   <p:notesSz cx="6858000" cy="9144000"/>
@@ -14882,6 +14883,1059 @@
       </p:grpSpPr>
       <p:sp>
         <p:nvSpPr>
+          <p:cNvPr id="8" name="Title 7">
+            <a:extLst>
+              <a:ext uri="{FF2B5EF4-FFF2-40B4-BE49-F238E27FC236}">
+                <a16:creationId xmlns:a16="http://schemas.microsoft.com/office/drawing/2014/main" id="{0719E0E7-CFBA-48B5-AA1B-EA5B887F6650}"/>
+              </a:ext>
+            </a:extLst>
+          </p:cNvPr>
+          <p:cNvSpPr>
+            <a:spLocks noGrp="1"/>
+          </p:cNvSpPr>
+          <p:nvPr>
+            <p:ph type="title"/>
+          </p:nvPr>
+        </p:nvSpPr>
+        <p:spPr bwMode="grayWhite">
+          <a:xfrm>
+            <a:off x="259127" y="722554"/>
+            <a:ext cx="6159428" cy="1134313"/>
+          </a:xfrm>
+        </p:spPr>
+        <p:txBody>
+          <a:bodyPr>
+            <a:normAutofit/>
+          </a:bodyPr>
+          <a:lstStyle/>
+          <a:p>
+            <a:r>
+              <a:rPr lang="en-US" sz="4800" dirty="0"/>
+              <a:t>Results </a:t>
+            </a:r>
+            <a:endParaRPr lang="ru-RU" sz="4800" dirty="0"/>
+          </a:p>
+        </p:txBody>
+      </p:sp>
+      <p:sp>
+        <p:nvSpPr>
+          <p:cNvPr id="2" name="Slide Number Placeholder 1">
+            <a:extLst>
+              <a:ext uri="{FF2B5EF4-FFF2-40B4-BE49-F238E27FC236}">
+                <a16:creationId xmlns:a16="http://schemas.microsoft.com/office/drawing/2014/main" id="{7D609542-DD6D-4EC5-B1B2-054C2BE79B96}"/>
+              </a:ext>
+            </a:extLst>
+          </p:cNvPr>
+          <p:cNvSpPr>
+            <a:spLocks noGrp="1"/>
+          </p:cNvSpPr>
+          <p:nvPr>
+            <p:ph type="sldNum" sz="quarter" idx="10"/>
+          </p:nvPr>
+        </p:nvSpPr>
+        <p:spPr bwMode="grayWhite"/>
+        <p:txBody>
+          <a:bodyPr/>
+          <a:lstStyle/>
+          <a:p>
+            <a:fld id="{D495E168-DA5E-4888-8D8A-92B118324C14}" type="slidenum">
+              <a:rPr lang="ru-RU" smtClean="0"/>
+              <a:pPr/>
+              <a:t>10</a:t>
+            </a:fld>
+            <a:endParaRPr lang="ru-RU" dirty="0"/>
+          </a:p>
+        </p:txBody>
+      </p:sp>
+      <p:sp>
+        <p:nvSpPr>
+          <p:cNvPr id="10" name="Text Placeholder 3">
+            <a:extLst>
+              <a:ext uri="{FF2B5EF4-FFF2-40B4-BE49-F238E27FC236}">
+                <a16:creationId xmlns:a16="http://schemas.microsoft.com/office/drawing/2014/main" id="{C4BD4B59-103B-4C11-814F-8E600D6619E7}"/>
+              </a:ext>
+            </a:extLst>
+          </p:cNvPr>
+          <p:cNvSpPr txBox="1">
+            <a:spLocks/>
+          </p:cNvSpPr>
+          <p:nvPr/>
+        </p:nvSpPr>
+        <p:spPr>
+          <a:xfrm>
+            <a:off x="56110" y="2651950"/>
+            <a:ext cx="4793064" cy="3483496"/>
+          </a:xfrm>
+          <a:prstGeom prst="rect">
+            <a:avLst/>
+          </a:prstGeom>
+        </p:spPr>
+        <p:txBody>
+          <a:bodyPr>
+            <a:normAutofit/>
+          </a:bodyPr>
+          <a:lstStyle>
+            <a:lvl1pPr marL="228600" indent="-228600" algn="l" defTabSz="914400" rtl="0" eaLnBrk="1" latinLnBrk="0" hangingPunct="1">
+              <a:lnSpc>
+                <a:spcPct val="90000"/>
+              </a:lnSpc>
+              <a:spcBef>
+                <a:spcPts val="1000"/>
+              </a:spcBef>
+              <a:buFont typeface="Arial" panose="020B0604020202020204" pitchFamily="34" charset="0"/>
+              <a:buChar char="•"/>
+              <a:defRPr sz="2800" kern="1200">
+                <a:solidFill>
+                  <a:schemeClr val="tx2"/>
+                </a:solidFill>
+                <a:latin typeface="+mn-lt"/>
+                <a:ea typeface="+mn-ea"/>
+                <a:cs typeface="+mn-cs"/>
+              </a:defRPr>
+            </a:lvl1pPr>
+            <a:lvl2pPr marL="685800" indent="-228600" algn="l" defTabSz="914400" rtl="0" eaLnBrk="1" latinLnBrk="0" hangingPunct="1">
+              <a:lnSpc>
+                <a:spcPct val="90000"/>
+              </a:lnSpc>
+              <a:spcBef>
+                <a:spcPts val="500"/>
+              </a:spcBef>
+              <a:buFont typeface="Arial" panose="020B0604020202020204" pitchFamily="34" charset="0"/>
+              <a:buChar char="•"/>
+              <a:defRPr sz="2400" kern="1200">
+                <a:solidFill>
+                  <a:schemeClr val="tx2"/>
+                </a:solidFill>
+                <a:latin typeface="+mn-lt"/>
+                <a:ea typeface="+mn-ea"/>
+                <a:cs typeface="+mn-cs"/>
+              </a:defRPr>
+            </a:lvl2pPr>
+            <a:lvl3pPr marL="1143000" indent="-228600" algn="l" defTabSz="914400" rtl="0" eaLnBrk="1" latinLnBrk="0" hangingPunct="1">
+              <a:lnSpc>
+                <a:spcPct val="90000"/>
+              </a:lnSpc>
+              <a:spcBef>
+                <a:spcPts val="500"/>
+              </a:spcBef>
+              <a:buFont typeface="Arial" panose="020B0604020202020204" pitchFamily="34" charset="0"/>
+              <a:buChar char="•"/>
+              <a:defRPr sz="2000" kern="1200">
+                <a:solidFill>
+                  <a:schemeClr val="tx2"/>
+                </a:solidFill>
+                <a:latin typeface="+mn-lt"/>
+                <a:ea typeface="+mn-ea"/>
+                <a:cs typeface="+mn-cs"/>
+              </a:defRPr>
+            </a:lvl3pPr>
+            <a:lvl4pPr marL="1600200" indent="-228600" algn="l" defTabSz="914400" rtl="0" eaLnBrk="1" latinLnBrk="0" hangingPunct="1">
+              <a:lnSpc>
+                <a:spcPct val="90000"/>
+              </a:lnSpc>
+              <a:spcBef>
+                <a:spcPts val="500"/>
+              </a:spcBef>
+              <a:buFont typeface="Arial" panose="020B0604020202020204" pitchFamily="34" charset="0"/>
+              <a:buChar char="•"/>
+              <a:defRPr sz="1800" kern="1200">
+                <a:solidFill>
+                  <a:schemeClr val="tx2"/>
+                </a:solidFill>
+                <a:latin typeface="+mn-lt"/>
+                <a:ea typeface="+mn-ea"/>
+                <a:cs typeface="+mn-cs"/>
+              </a:defRPr>
+            </a:lvl4pPr>
+            <a:lvl5pPr marL="2057400" indent="-228600" algn="l" defTabSz="914400" rtl="0" eaLnBrk="1" latinLnBrk="0" hangingPunct="1">
+              <a:lnSpc>
+                <a:spcPct val="90000"/>
+              </a:lnSpc>
+              <a:spcBef>
+                <a:spcPts val="500"/>
+              </a:spcBef>
+              <a:buFont typeface="Arial" panose="020B0604020202020204" pitchFamily="34" charset="0"/>
+              <a:buChar char="•"/>
+              <a:defRPr sz="1800" kern="1200">
+                <a:solidFill>
+                  <a:schemeClr val="tx2"/>
+                </a:solidFill>
+                <a:latin typeface="+mn-lt"/>
+                <a:ea typeface="+mn-ea"/>
+                <a:cs typeface="+mn-cs"/>
+              </a:defRPr>
+            </a:lvl5pPr>
+            <a:lvl6pPr marL="2514600" indent="-228600" algn="l" defTabSz="914400" rtl="0" eaLnBrk="1" latinLnBrk="0" hangingPunct="1">
+              <a:lnSpc>
+                <a:spcPct val="90000"/>
+              </a:lnSpc>
+              <a:spcBef>
+                <a:spcPts val="500"/>
+              </a:spcBef>
+              <a:buFont typeface="Arial" panose="020B0604020202020204" pitchFamily="34" charset="0"/>
+              <a:buChar char="•"/>
+              <a:defRPr sz="1800" kern="1200">
+                <a:solidFill>
+                  <a:schemeClr val="tx1"/>
+                </a:solidFill>
+                <a:latin typeface="+mn-lt"/>
+                <a:ea typeface="+mn-ea"/>
+                <a:cs typeface="+mn-cs"/>
+              </a:defRPr>
+            </a:lvl6pPr>
+            <a:lvl7pPr marL="2971800" indent="-228600" algn="l" defTabSz="914400" rtl="0" eaLnBrk="1" latinLnBrk="0" hangingPunct="1">
+              <a:lnSpc>
+                <a:spcPct val="90000"/>
+              </a:lnSpc>
+              <a:spcBef>
+                <a:spcPts val="500"/>
+              </a:spcBef>
+              <a:buFont typeface="Arial" panose="020B0604020202020204" pitchFamily="34" charset="0"/>
+              <a:buChar char="•"/>
+              <a:defRPr sz="1800" kern="1200">
+                <a:solidFill>
+                  <a:schemeClr val="tx1"/>
+                </a:solidFill>
+                <a:latin typeface="+mn-lt"/>
+                <a:ea typeface="+mn-ea"/>
+                <a:cs typeface="+mn-cs"/>
+              </a:defRPr>
+            </a:lvl7pPr>
+            <a:lvl8pPr marL="3429000" indent="-228600" algn="l" defTabSz="914400" rtl="0" eaLnBrk="1" latinLnBrk="0" hangingPunct="1">
+              <a:lnSpc>
+                <a:spcPct val="90000"/>
+              </a:lnSpc>
+              <a:spcBef>
+                <a:spcPts val="500"/>
+              </a:spcBef>
+              <a:buFont typeface="Arial" panose="020B0604020202020204" pitchFamily="34" charset="0"/>
+              <a:buChar char="•"/>
+              <a:defRPr sz="1800" kern="1200">
+                <a:solidFill>
+                  <a:schemeClr val="tx1"/>
+                </a:solidFill>
+                <a:latin typeface="+mn-lt"/>
+                <a:ea typeface="+mn-ea"/>
+                <a:cs typeface="+mn-cs"/>
+              </a:defRPr>
+            </a:lvl8pPr>
+            <a:lvl9pPr marL="3886200" indent="-228600" algn="l" defTabSz="914400" rtl="0" eaLnBrk="1" latinLnBrk="0" hangingPunct="1">
+              <a:lnSpc>
+                <a:spcPct val="90000"/>
+              </a:lnSpc>
+              <a:spcBef>
+                <a:spcPts val="500"/>
+              </a:spcBef>
+              <a:buFont typeface="Arial" panose="020B0604020202020204" pitchFamily="34" charset="0"/>
+              <a:buChar char="•"/>
+              <a:defRPr sz="1800" kern="1200">
+                <a:solidFill>
+                  <a:schemeClr val="tx1"/>
+                </a:solidFill>
+                <a:latin typeface="+mn-lt"/>
+                <a:ea typeface="+mn-ea"/>
+                <a:cs typeface="+mn-cs"/>
+              </a:defRPr>
+            </a:lvl9pPr>
+          </a:lstStyle>
+          <a:p>
+            <a:pPr>
+              <a:lnSpc>
+                <a:spcPct val="100000"/>
+              </a:lnSpc>
+            </a:pPr>
+            <a:r>
+              <a:rPr lang="en-US" sz="1600" dirty="0">
+                <a:solidFill>
+                  <a:schemeClr val="bg1">
+                    <a:lumMod val="85000"/>
+                  </a:schemeClr>
+                </a:solidFill>
+              </a:rPr>
+              <a:t>This module allows one to get the examination results of the student.</a:t>
+            </a:r>
+          </a:p>
+          <a:p>
+            <a:pPr>
+              <a:lnSpc>
+                <a:spcPct val="100000"/>
+              </a:lnSpc>
+            </a:pPr>
+            <a:r>
+              <a:rPr lang="en-US" sz="1600" dirty="0">
+                <a:solidFill>
+                  <a:schemeClr val="bg1">
+                    <a:lumMod val="85000"/>
+                  </a:schemeClr>
+                </a:solidFill>
+              </a:rPr>
+              <a:t>It displays the obtained marks, total marks, percentage, and the status of the result.</a:t>
+            </a:r>
+          </a:p>
+          <a:p>
+            <a:pPr>
+              <a:lnSpc>
+                <a:spcPct val="100000"/>
+              </a:lnSpc>
+            </a:pPr>
+            <a:r>
+              <a:rPr lang="en-US" sz="1600" dirty="0">
+                <a:solidFill>
+                  <a:schemeClr val="bg1">
+                    <a:lumMod val="85000"/>
+                  </a:schemeClr>
+                </a:solidFill>
+              </a:rPr>
+              <a:t>Features :-</a:t>
+            </a:r>
+          </a:p>
+          <a:p>
+            <a:pPr lvl="1">
+              <a:lnSpc>
+                <a:spcPct val="100000"/>
+              </a:lnSpc>
+              <a:buFont typeface="Wingdings" panose="05000000000000000000" pitchFamily="2" charset="2"/>
+              <a:buChar char="ü"/>
+            </a:pPr>
+            <a:r>
+              <a:rPr lang="en-US" sz="1600" dirty="0">
+                <a:solidFill>
+                  <a:srgbClr val="FF0000"/>
+                </a:solidFill>
+              </a:rPr>
+              <a:t>Red-Alert</a:t>
+            </a:r>
+            <a:r>
+              <a:rPr lang="en-US" sz="1600" dirty="0">
+                <a:solidFill>
+                  <a:schemeClr val="bg1">
+                    <a:lumMod val="85000"/>
+                  </a:schemeClr>
+                </a:solidFill>
+              </a:rPr>
+              <a:t> for low result.</a:t>
+            </a:r>
+          </a:p>
+          <a:p>
+            <a:pPr lvl="1">
+              <a:lnSpc>
+                <a:spcPct val="100000"/>
+              </a:lnSpc>
+              <a:buFont typeface="Wingdings" panose="05000000000000000000" pitchFamily="2" charset="2"/>
+              <a:buChar char="ü"/>
+            </a:pPr>
+            <a:r>
+              <a:rPr lang="en-US" sz="1800" dirty="0">
+                <a:solidFill>
+                  <a:srgbClr val="FFFF00"/>
+                </a:solidFill>
+              </a:rPr>
+              <a:t>Display the List of TOP 5 RANKERS.</a:t>
+            </a:r>
+          </a:p>
+          <a:p>
+            <a:pPr lvl="1">
+              <a:lnSpc>
+                <a:spcPct val="100000"/>
+              </a:lnSpc>
+              <a:buFont typeface="Wingdings" panose="05000000000000000000" pitchFamily="2" charset="2"/>
+              <a:buChar char="ü"/>
+            </a:pPr>
+            <a:r>
+              <a:rPr lang="en-US" sz="1600" dirty="0">
+                <a:solidFill>
+                  <a:schemeClr val="bg1">
+                    <a:lumMod val="85000"/>
+                  </a:schemeClr>
+                </a:solidFill>
+              </a:rPr>
+              <a:t>Fetches result semester wise.</a:t>
+            </a:r>
+          </a:p>
+          <a:p>
+            <a:pPr lvl="1">
+              <a:lnSpc>
+                <a:spcPct val="100000"/>
+              </a:lnSpc>
+              <a:buFont typeface="Wingdings" panose="05000000000000000000" pitchFamily="2" charset="2"/>
+              <a:buChar char="ü"/>
+            </a:pPr>
+            <a:r>
+              <a:rPr lang="en-US" sz="1600" dirty="0">
+                <a:solidFill>
+                  <a:schemeClr val="bg1">
+                    <a:lumMod val="85000"/>
+                  </a:schemeClr>
+                </a:solidFill>
+              </a:rPr>
+              <a:t>Displays the Pass and Fail status based on total percentage.</a:t>
+            </a:r>
+          </a:p>
+          <a:p>
+            <a:pPr lvl="1">
+              <a:lnSpc>
+                <a:spcPct val="100000"/>
+              </a:lnSpc>
+              <a:buFont typeface="Wingdings" panose="05000000000000000000" pitchFamily="2" charset="2"/>
+              <a:buChar char="ü"/>
+            </a:pPr>
+            <a:r>
+              <a:rPr lang="en-US" sz="1600" dirty="0">
+                <a:solidFill>
+                  <a:schemeClr val="bg1">
+                    <a:lumMod val="85000"/>
+                  </a:schemeClr>
+                </a:solidFill>
+              </a:rPr>
+              <a:t>Completely Dynamic</a:t>
+            </a:r>
+          </a:p>
+          <a:p>
+            <a:pPr>
+              <a:buFont typeface="Wingdings" panose="05000000000000000000" pitchFamily="2" charset="2"/>
+              <a:buChar char="ü"/>
+            </a:pPr>
+            <a:endParaRPr lang="en-US" sz="1600" dirty="0"/>
+          </a:p>
+        </p:txBody>
+      </p:sp>
+      <p:pic>
+        <p:nvPicPr>
+          <p:cNvPr id="12" name="Picture Placeholder 8">
+            <a:extLst>
+              <a:ext uri="{FF2B5EF4-FFF2-40B4-BE49-F238E27FC236}">
+                <a16:creationId xmlns:a16="http://schemas.microsoft.com/office/drawing/2014/main" id="{666DA894-AAC7-4015-8958-7288E33A4F6F}"/>
+              </a:ext>
+            </a:extLst>
+          </p:cNvPr>
+          <p:cNvPicPr>
+            <a:picLocks noChangeAspect="1"/>
+          </p:cNvPicPr>
+          <p:nvPr/>
+        </p:nvPicPr>
+        <p:blipFill rotWithShape="1">
+          <a:blip r:embed="rId2"/>
+          <a:srcRect l="1739" t="-3706" r="5042" b="1749"/>
+          <a:stretch/>
+        </p:blipFill>
+        <p:spPr>
+          <a:xfrm>
+            <a:off x="4883500" y="219159"/>
+            <a:ext cx="7131357" cy="6473043"/>
+          </a:xfrm>
+          <a:custGeom>
+            <a:avLst/>
+            <a:gdLst>
+              <a:gd name="connsiteX0" fmla="*/ 0 w 6108872"/>
+              <a:gd name="connsiteY0" fmla="*/ 2203471 h 5485128"/>
+              <a:gd name="connsiteX1" fmla="*/ 6108872 w 6108872"/>
+              <a:gd name="connsiteY1" fmla="*/ 3505695 h 5485128"/>
+              <a:gd name="connsiteX2" fmla="*/ 6108872 w 6108872"/>
+              <a:gd name="connsiteY2" fmla="*/ 5485128 h 5485128"/>
+              <a:gd name="connsiteX3" fmla="*/ 0 w 6108872"/>
+              <a:gd name="connsiteY3" fmla="*/ 4182903 h 5485128"/>
+              <a:gd name="connsiteX4" fmla="*/ 0 w 6108872"/>
+              <a:gd name="connsiteY4" fmla="*/ 0 h 5485128"/>
+              <a:gd name="connsiteX5" fmla="*/ 6108872 w 6108872"/>
+              <a:gd name="connsiteY5" fmla="*/ 1302225 h 5485128"/>
+              <a:gd name="connsiteX6" fmla="*/ 6108872 w 6108872"/>
+              <a:gd name="connsiteY6" fmla="*/ 3281657 h 5485128"/>
+              <a:gd name="connsiteX7" fmla="*/ 0 w 6108872"/>
+              <a:gd name="connsiteY7" fmla="*/ 1979432 h 5485128"/>
+            </a:gdLst>
+            <a:ahLst/>
+            <a:cxnLst>
+              <a:cxn ang="0">
+                <a:pos x="connsiteX0" y="connsiteY0"/>
+              </a:cxn>
+              <a:cxn ang="0">
+                <a:pos x="connsiteX1" y="connsiteY1"/>
+              </a:cxn>
+              <a:cxn ang="0">
+                <a:pos x="connsiteX2" y="connsiteY2"/>
+              </a:cxn>
+              <a:cxn ang="0">
+                <a:pos x="connsiteX3" y="connsiteY3"/>
+              </a:cxn>
+              <a:cxn ang="0">
+                <a:pos x="connsiteX4" y="connsiteY4"/>
+              </a:cxn>
+              <a:cxn ang="0">
+                <a:pos x="connsiteX5" y="connsiteY5"/>
+              </a:cxn>
+              <a:cxn ang="0">
+                <a:pos x="connsiteX6" y="connsiteY6"/>
+              </a:cxn>
+              <a:cxn ang="0">
+                <a:pos x="connsiteX7" y="connsiteY7"/>
+              </a:cxn>
+            </a:cxnLst>
+            <a:rect l="l" t="t" r="r" b="b"/>
+            <a:pathLst>
+              <a:path w="6108872" h="5485128">
+                <a:moveTo>
+                  <a:pt x="0" y="2203471"/>
+                </a:moveTo>
+                <a:lnTo>
+                  <a:pt x="6108872" y="3505695"/>
+                </a:lnTo>
+                <a:lnTo>
+                  <a:pt x="6108872" y="5485128"/>
+                </a:lnTo>
+                <a:lnTo>
+                  <a:pt x="0" y="4182903"/>
+                </a:lnTo>
+                <a:close/>
+                <a:moveTo>
+                  <a:pt x="0" y="0"/>
+                </a:moveTo>
+                <a:lnTo>
+                  <a:pt x="6108872" y="1302225"/>
+                </a:lnTo>
+                <a:lnTo>
+                  <a:pt x="6108872" y="3281657"/>
+                </a:lnTo>
+                <a:lnTo>
+                  <a:pt x="0" y="1979432"/>
+                </a:lnTo>
+                <a:close/>
+              </a:path>
+            </a:pathLst>
+          </a:custGeom>
+        </p:spPr>
+      </p:pic>
+      <p:sp>
+        <p:nvSpPr>
+          <p:cNvPr id="13" name="Text Placeholder 5">
+            <a:extLst>
+              <a:ext uri="{FF2B5EF4-FFF2-40B4-BE49-F238E27FC236}">
+                <a16:creationId xmlns:a16="http://schemas.microsoft.com/office/drawing/2014/main" id="{FC02AE8F-6EEF-4499-8D1F-8E44D09F11FB}"/>
+              </a:ext>
+            </a:extLst>
+          </p:cNvPr>
+          <p:cNvSpPr txBox="1">
+            <a:spLocks/>
+          </p:cNvSpPr>
+          <p:nvPr/>
+        </p:nvSpPr>
+        <p:spPr>
+          <a:xfrm>
+            <a:off x="43273" y="2128912"/>
+            <a:ext cx="5056082" cy="617095"/>
+          </a:xfrm>
+          <a:prstGeom prst="rect">
+            <a:avLst/>
+          </a:prstGeom>
+        </p:spPr>
+        <p:txBody>
+          <a:bodyPr vert="horz" lIns="91440" tIns="45720" rIns="91440" bIns="45720" rtlCol="0">
+            <a:normAutofit/>
+          </a:bodyPr>
+          <a:lstStyle>
+            <a:lvl1pPr marL="0" indent="0" algn="l" defTabSz="914400" rtl="0" eaLnBrk="1" latinLnBrk="0" hangingPunct="1">
+              <a:lnSpc>
+                <a:spcPct val="90000"/>
+              </a:lnSpc>
+              <a:spcBef>
+                <a:spcPts val="1000"/>
+              </a:spcBef>
+              <a:buFont typeface="Arial" panose="020B0604020202020204" pitchFamily="34" charset="0"/>
+              <a:buNone/>
+              <a:defRPr sz="2200" kern="1200">
+                <a:solidFill>
+                  <a:schemeClr val="tx2"/>
+                </a:solidFill>
+                <a:latin typeface="+mn-lt"/>
+                <a:ea typeface="+mn-ea"/>
+                <a:cs typeface="+mn-cs"/>
+              </a:defRPr>
+            </a:lvl1pPr>
+            <a:lvl2pPr marL="685800" indent="-228600" algn="l" defTabSz="914400" rtl="0" eaLnBrk="1" latinLnBrk="0" hangingPunct="1">
+              <a:lnSpc>
+                <a:spcPct val="90000"/>
+              </a:lnSpc>
+              <a:spcBef>
+                <a:spcPts val="500"/>
+              </a:spcBef>
+              <a:buFont typeface="Arial" panose="020B0604020202020204" pitchFamily="34" charset="0"/>
+              <a:buChar char="•"/>
+              <a:defRPr sz="1800" kern="1200">
+                <a:solidFill>
+                  <a:schemeClr val="tx2"/>
+                </a:solidFill>
+                <a:latin typeface="+mn-lt"/>
+                <a:ea typeface="+mn-ea"/>
+                <a:cs typeface="+mn-cs"/>
+              </a:defRPr>
+            </a:lvl2pPr>
+            <a:lvl3pPr marL="1143000" indent="-228600" algn="l" defTabSz="914400" rtl="0" eaLnBrk="1" latinLnBrk="0" hangingPunct="1">
+              <a:lnSpc>
+                <a:spcPct val="90000"/>
+              </a:lnSpc>
+              <a:spcBef>
+                <a:spcPts val="500"/>
+              </a:spcBef>
+              <a:buFont typeface="Arial" panose="020B0604020202020204" pitchFamily="34" charset="0"/>
+              <a:buChar char="•"/>
+              <a:defRPr sz="1800" kern="1200">
+                <a:solidFill>
+                  <a:schemeClr val="tx2"/>
+                </a:solidFill>
+                <a:latin typeface="+mn-lt"/>
+                <a:ea typeface="+mn-ea"/>
+                <a:cs typeface="+mn-cs"/>
+              </a:defRPr>
+            </a:lvl3pPr>
+            <a:lvl4pPr marL="1600200" indent="-228600" algn="l" defTabSz="914400" rtl="0" eaLnBrk="1" latinLnBrk="0" hangingPunct="1">
+              <a:lnSpc>
+                <a:spcPct val="90000"/>
+              </a:lnSpc>
+              <a:spcBef>
+                <a:spcPts val="500"/>
+              </a:spcBef>
+              <a:buFont typeface="Arial" panose="020B0604020202020204" pitchFamily="34" charset="0"/>
+              <a:buChar char="•"/>
+              <a:defRPr sz="1800" kern="1200">
+                <a:solidFill>
+                  <a:schemeClr val="tx2"/>
+                </a:solidFill>
+                <a:latin typeface="+mn-lt"/>
+                <a:ea typeface="+mn-ea"/>
+                <a:cs typeface="+mn-cs"/>
+              </a:defRPr>
+            </a:lvl4pPr>
+            <a:lvl5pPr marL="2057400" indent="-228600" algn="l" defTabSz="914400" rtl="0" eaLnBrk="1" latinLnBrk="0" hangingPunct="1">
+              <a:lnSpc>
+                <a:spcPct val="90000"/>
+              </a:lnSpc>
+              <a:spcBef>
+                <a:spcPts val="500"/>
+              </a:spcBef>
+              <a:buFont typeface="Arial" panose="020B0604020202020204" pitchFamily="34" charset="0"/>
+              <a:buChar char="•"/>
+              <a:defRPr sz="1800" kern="1200">
+                <a:solidFill>
+                  <a:schemeClr val="tx2"/>
+                </a:solidFill>
+                <a:latin typeface="+mn-lt"/>
+                <a:ea typeface="+mn-ea"/>
+                <a:cs typeface="+mn-cs"/>
+              </a:defRPr>
+            </a:lvl5pPr>
+            <a:lvl6pPr marL="2514600" indent="-228600" algn="l" defTabSz="914400" rtl="0" eaLnBrk="1" latinLnBrk="0" hangingPunct="1">
+              <a:lnSpc>
+                <a:spcPct val="90000"/>
+              </a:lnSpc>
+              <a:spcBef>
+                <a:spcPts val="500"/>
+              </a:spcBef>
+              <a:buFont typeface="Arial" panose="020B0604020202020204" pitchFamily="34" charset="0"/>
+              <a:buChar char="•"/>
+              <a:defRPr sz="1800" kern="1200">
+                <a:solidFill>
+                  <a:schemeClr val="tx1"/>
+                </a:solidFill>
+                <a:latin typeface="+mn-lt"/>
+                <a:ea typeface="+mn-ea"/>
+                <a:cs typeface="+mn-cs"/>
+              </a:defRPr>
+            </a:lvl6pPr>
+            <a:lvl7pPr marL="2971800" indent="-228600" algn="l" defTabSz="914400" rtl="0" eaLnBrk="1" latinLnBrk="0" hangingPunct="1">
+              <a:lnSpc>
+                <a:spcPct val="90000"/>
+              </a:lnSpc>
+              <a:spcBef>
+                <a:spcPts val="500"/>
+              </a:spcBef>
+              <a:buFont typeface="Arial" panose="020B0604020202020204" pitchFamily="34" charset="0"/>
+              <a:buChar char="•"/>
+              <a:defRPr sz="1800" kern="1200">
+                <a:solidFill>
+                  <a:schemeClr val="tx1"/>
+                </a:solidFill>
+                <a:latin typeface="+mn-lt"/>
+                <a:ea typeface="+mn-ea"/>
+                <a:cs typeface="+mn-cs"/>
+              </a:defRPr>
+            </a:lvl7pPr>
+            <a:lvl8pPr marL="3429000" indent="-228600" algn="l" defTabSz="914400" rtl="0" eaLnBrk="1" latinLnBrk="0" hangingPunct="1">
+              <a:lnSpc>
+                <a:spcPct val="90000"/>
+              </a:lnSpc>
+              <a:spcBef>
+                <a:spcPts val="500"/>
+              </a:spcBef>
+              <a:buFont typeface="Arial" panose="020B0604020202020204" pitchFamily="34" charset="0"/>
+              <a:buChar char="•"/>
+              <a:defRPr sz="1800" kern="1200">
+                <a:solidFill>
+                  <a:schemeClr val="tx1"/>
+                </a:solidFill>
+                <a:latin typeface="+mn-lt"/>
+                <a:ea typeface="+mn-ea"/>
+                <a:cs typeface="+mn-cs"/>
+              </a:defRPr>
+            </a:lvl8pPr>
+            <a:lvl9pPr marL="3886200" indent="-228600" algn="l" defTabSz="914400" rtl="0" eaLnBrk="1" latinLnBrk="0" hangingPunct="1">
+              <a:lnSpc>
+                <a:spcPct val="90000"/>
+              </a:lnSpc>
+              <a:spcBef>
+                <a:spcPts val="500"/>
+              </a:spcBef>
+              <a:buFont typeface="Arial" panose="020B0604020202020204" pitchFamily="34" charset="0"/>
+              <a:buChar char="•"/>
+              <a:defRPr sz="1800" kern="1200">
+                <a:solidFill>
+                  <a:schemeClr val="tx1"/>
+                </a:solidFill>
+                <a:latin typeface="+mn-lt"/>
+                <a:ea typeface="+mn-ea"/>
+                <a:cs typeface="+mn-cs"/>
+              </a:defRPr>
+            </a:lvl9pPr>
+          </a:lstStyle>
+          <a:p>
+            <a:r>
+              <a:rPr lang="en-US" sz="2000" b="1" dirty="0"/>
+              <a:t>A Dynamic Result Management System</a:t>
+            </a:r>
+            <a:endParaRPr lang="ru-RU" sz="2000" b="1" dirty="0"/>
+          </a:p>
+        </p:txBody>
+      </p:sp>
+    </p:spTree>
+    <p:extLst>
+      <p:ext uri="{BB962C8B-B14F-4D97-AF65-F5344CB8AC3E}">
+        <p14:creationId xmlns:p14="http://schemas.microsoft.com/office/powerpoint/2010/main" val="1174525770"/>
+      </p:ext>
+    </p:extLst>
+  </p:cSld>
+  <p:clrMapOvr>
+    <a:masterClrMapping/>
+  </p:clrMapOvr>
+  <p:timing>
+    <p:tnLst>
+      <p:par>
+        <p:cTn id="1" dur="indefinite" restart="never" nodeType="tmRoot">
+          <p:childTnLst>
+            <p:seq concurrent="1" nextAc="seek">
+              <p:cTn id="2" dur="indefinite" nodeType="mainSeq">
+                <p:childTnLst>
+                  <p:par>
+                    <p:cTn id="3" fill="hold">
+                      <p:stCondLst>
+                        <p:cond delay="indefinite"/>
+                        <p:cond evt="onBegin" delay="0">
+                          <p:tn val="2"/>
+                        </p:cond>
+                      </p:stCondLst>
+                      <p:childTnLst>
+                        <p:par>
+                          <p:cTn id="4" fill="hold">
+                            <p:stCondLst>
+                              <p:cond delay="0"/>
+                            </p:stCondLst>
+                            <p:childTnLst>
+                              <p:par>
+                                <p:cTn id="5" presetID="16" presetClass="entr" presetSubtype="21" fill="hold" grpId="0" nodeType="withEffect">
+                                  <p:stCondLst>
+                                    <p:cond delay="0"/>
+                                  </p:stCondLst>
+                                  <p:childTnLst>
+                                    <p:set>
+                                      <p:cBhvr>
+                                        <p:cTn id="6" dur="1" fill="hold">
+                                          <p:stCondLst>
+                                            <p:cond delay="0"/>
+                                          </p:stCondLst>
+                                        </p:cTn>
+                                        <p:tgtEl>
+                                          <p:spTgt spid="8"/>
+                                        </p:tgtEl>
+                                        <p:attrNameLst>
+                                          <p:attrName>style.visibility</p:attrName>
+                                        </p:attrNameLst>
+                                      </p:cBhvr>
+                                      <p:to>
+                                        <p:strVal val="visible"/>
+                                      </p:to>
+                                    </p:set>
+                                    <p:animEffect transition="in" filter="barn(inVertical)">
+                                      <p:cBhvr>
+                                        <p:cTn id="7" dur="500"/>
+                                        <p:tgtEl>
+                                          <p:spTgt spid="8"/>
+                                        </p:tgtEl>
+                                      </p:cBhvr>
+                                    </p:animEffect>
+                                  </p:childTnLst>
+                                </p:cTn>
+                              </p:par>
+                              <p:par>
+                                <p:cTn id="8" presetID="32" presetClass="emph" presetSubtype="0" fill="hold" nodeType="withEffect">
+                                  <p:stCondLst>
+                                    <p:cond delay="0"/>
+                                  </p:stCondLst>
+                                  <p:childTnLst>
+                                    <p:animRot by="120000">
+                                      <p:cBhvr>
+                                        <p:cTn id="9" dur="100" fill="hold">
+                                          <p:stCondLst>
+                                            <p:cond delay="0"/>
+                                          </p:stCondLst>
+                                        </p:cTn>
+                                        <p:tgtEl>
+                                          <p:spTgt spid="12"/>
+                                        </p:tgtEl>
+                                        <p:attrNameLst>
+                                          <p:attrName>r</p:attrName>
+                                        </p:attrNameLst>
+                                      </p:cBhvr>
+                                    </p:animRot>
+                                    <p:animRot by="-240000">
+                                      <p:cBhvr>
+                                        <p:cTn id="10" dur="200" fill="hold">
+                                          <p:stCondLst>
+                                            <p:cond delay="200"/>
+                                          </p:stCondLst>
+                                        </p:cTn>
+                                        <p:tgtEl>
+                                          <p:spTgt spid="12"/>
+                                        </p:tgtEl>
+                                        <p:attrNameLst>
+                                          <p:attrName>r</p:attrName>
+                                        </p:attrNameLst>
+                                      </p:cBhvr>
+                                    </p:animRot>
+                                    <p:animRot by="240000">
+                                      <p:cBhvr>
+                                        <p:cTn id="11" dur="200" fill="hold">
+                                          <p:stCondLst>
+                                            <p:cond delay="400"/>
+                                          </p:stCondLst>
+                                        </p:cTn>
+                                        <p:tgtEl>
+                                          <p:spTgt spid="12"/>
+                                        </p:tgtEl>
+                                        <p:attrNameLst>
+                                          <p:attrName>r</p:attrName>
+                                        </p:attrNameLst>
+                                      </p:cBhvr>
+                                    </p:animRot>
+                                    <p:animRot by="-240000">
+                                      <p:cBhvr>
+                                        <p:cTn id="12" dur="200" fill="hold">
+                                          <p:stCondLst>
+                                            <p:cond delay="600"/>
+                                          </p:stCondLst>
+                                        </p:cTn>
+                                        <p:tgtEl>
+                                          <p:spTgt spid="12"/>
+                                        </p:tgtEl>
+                                        <p:attrNameLst>
+                                          <p:attrName>r</p:attrName>
+                                        </p:attrNameLst>
+                                      </p:cBhvr>
+                                    </p:animRot>
+                                    <p:animRot by="120000">
+                                      <p:cBhvr>
+                                        <p:cTn id="13" dur="200" fill="hold">
+                                          <p:stCondLst>
+                                            <p:cond delay="800"/>
+                                          </p:stCondLst>
+                                        </p:cTn>
+                                        <p:tgtEl>
+                                          <p:spTgt spid="12"/>
+                                        </p:tgtEl>
+                                        <p:attrNameLst>
+                                          <p:attrName>r</p:attrName>
+                                        </p:attrNameLst>
+                                      </p:cBhvr>
+                                    </p:animRot>
+                                  </p:childTnLst>
+                                </p:cTn>
+                              </p:par>
+                            </p:childTnLst>
+                          </p:cTn>
+                        </p:par>
+                        <p:par>
+                          <p:cTn id="14" fill="hold">
+                            <p:stCondLst>
+                              <p:cond delay="1000"/>
+                            </p:stCondLst>
+                            <p:childTnLst>
+                              <p:par>
+                                <p:cTn id="15" presetID="26" presetClass="emph" presetSubtype="0" fill="hold" grpId="0" nodeType="afterEffect">
+                                  <p:stCondLst>
+                                    <p:cond delay="0"/>
+                                  </p:stCondLst>
+                                  <p:childTnLst>
+                                    <p:animEffect transition="out" filter="fade">
+                                      <p:cBhvr>
+                                        <p:cTn id="16" dur="500" tmFilter="0, 0; .2, .5; .8, .5; 1, 0"/>
+                                        <p:tgtEl>
+                                          <p:spTgt spid="13"/>
+                                        </p:tgtEl>
+                                      </p:cBhvr>
+                                    </p:animEffect>
+                                    <p:animScale>
+                                      <p:cBhvr>
+                                        <p:cTn id="17" dur="250" autoRev="1" fill="hold"/>
+                                        <p:tgtEl>
+                                          <p:spTgt spid="13"/>
+                                        </p:tgtEl>
+                                      </p:cBhvr>
+                                      <p:by x="105000" y="105000"/>
+                                    </p:animScale>
+                                  </p:childTnLst>
+                                </p:cTn>
+                              </p:par>
+                            </p:childTnLst>
+                          </p:cTn>
+                        </p:par>
+                        <p:par>
+                          <p:cTn id="18" fill="hold">
+                            <p:stCondLst>
+                              <p:cond delay="1500"/>
+                            </p:stCondLst>
+                            <p:childTnLst>
+                              <p:par>
+                                <p:cTn id="19" presetID="42" presetClass="entr" presetSubtype="0" fill="hold" grpId="0" nodeType="afterEffect">
+                                  <p:stCondLst>
+                                    <p:cond delay="0"/>
+                                  </p:stCondLst>
+                                  <p:childTnLst>
+                                    <p:set>
+                                      <p:cBhvr>
+                                        <p:cTn id="20" dur="1" fill="hold">
+                                          <p:stCondLst>
+                                            <p:cond delay="0"/>
+                                          </p:stCondLst>
+                                        </p:cTn>
+                                        <p:tgtEl>
+                                          <p:spTgt spid="10"/>
+                                        </p:tgtEl>
+                                        <p:attrNameLst>
+                                          <p:attrName>style.visibility</p:attrName>
+                                        </p:attrNameLst>
+                                      </p:cBhvr>
+                                      <p:to>
+                                        <p:strVal val="visible"/>
+                                      </p:to>
+                                    </p:set>
+                                    <p:animEffect transition="in" filter="fade">
+                                      <p:cBhvr>
+                                        <p:cTn id="21" dur="1000"/>
+                                        <p:tgtEl>
+                                          <p:spTgt spid="10"/>
+                                        </p:tgtEl>
+                                      </p:cBhvr>
+                                    </p:animEffect>
+                                    <p:anim calcmode="lin" valueType="num">
+                                      <p:cBhvr>
+                                        <p:cTn id="22" dur="1000" fill="hold"/>
+                                        <p:tgtEl>
+                                          <p:spTgt spid="10"/>
+                                        </p:tgtEl>
+                                        <p:attrNameLst>
+                                          <p:attrName>ppt_x</p:attrName>
+                                        </p:attrNameLst>
+                                      </p:cBhvr>
+                                      <p:tavLst>
+                                        <p:tav tm="0">
+                                          <p:val>
+                                            <p:strVal val="#ppt_x"/>
+                                          </p:val>
+                                        </p:tav>
+                                        <p:tav tm="100000">
+                                          <p:val>
+                                            <p:strVal val="#ppt_x"/>
+                                          </p:val>
+                                        </p:tav>
+                                      </p:tavLst>
+                                    </p:anim>
+                                    <p:anim calcmode="lin" valueType="num">
+                                      <p:cBhvr>
+                                        <p:cTn id="23" dur="1000" fill="hold"/>
+                                        <p:tgtEl>
+                                          <p:spTgt spid="10"/>
+                                        </p:tgtEl>
+                                        <p:attrNameLst>
+                                          <p:attrName>ppt_y</p:attrName>
+                                        </p:attrNameLst>
+                                      </p:cBhvr>
+                                      <p:tavLst>
+                                        <p:tav tm="0">
+                                          <p:val>
+                                            <p:strVal val="#ppt_y+.1"/>
+                                          </p:val>
+                                        </p:tav>
+                                        <p:tav tm="100000">
+                                          <p:val>
+                                            <p:strVal val="#ppt_y"/>
+                                          </p:val>
+                                        </p:tav>
+                                      </p:tavLst>
+                                    </p:anim>
+                                  </p:childTnLst>
+                                </p:cTn>
+                              </p:par>
+                            </p:childTnLst>
+                          </p:cTn>
+                        </p:par>
+                      </p:childTnLst>
+                    </p:cTn>
+                  </p:par>
+                </p:childTnLst>
+              </p:cTn>
+              <p:prevCondLst>
+                <p:cond evt="onPrev" delay="0">
+                  <p:tgtEl>
+                    <p:sldTgt/>
+                  </p:tgtEl>
+                </p:cond>
+              </p:prevCondLst>
+              <p:nextCondLst>
+                <p:cond evt="onNext" delay="0">
+                  <p:tgtEl>
+                    <p:sldTgt/>
+                  </p:tgtEl>
+                </p:cond>
+              </p:nextCondLst>
+            </p:seq>
+          </p:childTnLst>
+        </p:cTn>
+      </p:par>
+    </p:tnLst>
+    <p:bldLst>
+      <p:bldP spid="8" grpId="0"/>
+      <p:bldP spid="10" grpId="0"/>
+      <p:bldP spid="13" grpId="0"/>
+    </p:bldLst>
+  </p:timing>
+</p:sld>
+</file>
+
+<file path=ppt/slides/slide11.xml><?xml version="1.0" encoding="utf-8"?>
+<p:sld xmlns:a="http://schemas.openxmlformats.org/drawingml/2006/main" xmlns:r="http://schemas.openxmlformats.org/officeDocument/2006/relationships" xmlns:p="http://schemas.openxmlformats.org/presentationml/2006/main">
+  <p:cSld>
+    <p:spTree>
+      <p:nvGrpSpPr>
+        <p:cNvPr id="1" name=""/>
+        <p:cNvGrpSpPr/>
+        <p:nvPr/>
+      </p:nvGrpSpPr>
+      <p:grpSpPr>
+        <a:xfrm>
+          <a:off x="0" y="0"/>
+          <a:ext cx="0" cy="0"/>
+          <a:chOff x="0" y="0"/>
+          <a:chExt cx="0" cy="0"/>
+        </a:xfrm>
+      </p:grpSpPr>
+      <p:sp>
+        <p:nvSpPr>
           <p:cNvPr id="2" name="Slide Number Placeholder 1">
             <a:extLst>
               <a:ext uri="{FF2B5EF4-FFF2-40B4-BE49-F238E27FC236}">
@@ -14904,7 +15958,7 @@
             <a:fld id="{D495E168-DA5E-4888-8D8A-92B118324C14}" type="slidenum">
               <a:rPr lang="ru-RU" smtClean="0"/>
               <a:pPr/>
-              <a:t>10</a:t>
+              <a:t>11</a:t>
             </a:fld>
             <a:endParaRPr lang="ru-RU" dirty="0"/>
           </a:p>
@@ -15039,7 +16093,7 @@
 </p:sld>
 </file>
 
-<file path=ppt/slides/slide11.xml><?xml version="1.0" encoding="utf-8"?>
+<file path=ppt/slides/slide12.xml><?xml version="1.0" encoding="utf-8"?>
 <p:sld xmlns:a="http://schemas.openxmlformats.org/drawingml/2006/main" xmlns:r="http://schemas.openxmlformats.org/officeDocument/2006/relationships" xmlns:p="http://schemas.openxmlformats.org/presentationml/2006/main">
   <p:cSld>
     <p:spTree>
@@ -15305,7 +16359,7 @@
             <a:fld id="{D495E168-DA5E-4888-8D8A-92B118324C14}" type="slidenum">
               <a:rPr lang="ru-RU" smtClean="0"/>
               <a:pPr/>
-              <a:t>11</a:t>
+              <a:t>12</a:t>
             </a:fld>
             <a:endParaRPr lang="ru-RU" dirty="0"/>
           </a:p>
@@ -16206,7 +17260,7 @@
 </p:sld>
 </file>
 
-<file path=ppt/slides/slide12.xml><?xml version="1.0" encoding="utf-8"?>
+<file path=ppt/slides/slide13.xml><?xml version="1.0" encoding="utf-8"?>
 <p:sld xmlns:a="http://schemas.openxmlformats.org/drawingml/2006/main" xmlns:r="http://schemas.openxmlformats.org/officeDocument/2006/relationships" xmlns:p="http://schemas.openxmlformats.org/presentationml/2006/main">
   <p:cSld>
     <p:spTree>
@@ -16247,7 +17301,7 @@
             <a:fld id="{D495E168-DA5E-4888-8D8A-92B118324C14}" type="slidenum">
               <a:rPr lang="ru-RU" smtClean="0"/>
               <a:pPr/>
-              <a:t>12</a:t>
+              <a:t>13</a:t>
             </a:fld>
             <a:endParaRPr lang="ru-RU" dirty="0"/>
           </a:p>
@@ -16382,7 +17436,7 @@
 </p:sld>
 </file>
 
-<file path=ppt/slides/slide13.xml><?xml version="1.0" encoding="utf-8"?>
+<file path=ppt/slides/slide14.xml><?xml version="1.0" encoding="utf-8"?>
 <p:sld xmlns:a="http://schemas.openxmlformats.org/drawingml/2006/main" xmlns:r="http://schemas.openxmlformats.org/officeDocument/2006/relationships" xmlns:p="http://schemas.openxmlformats.org/presentationml/2006/main">
   <p:cSld>
     <p:spTree>
@@ -16463,7 +17517,7 @@
             <a:fld id="{D495E168-DA5E-4888-8D8A-92B118324C14}" type="slidenum">
               <a:rPr lang="ru-RU" smtClean="0"/>
               <a:pPr/>
-              <a:t>13</a:t>
+              <a:t>14</a:t>
             </a:fld>
             <a:endParaRPr lang="ru-RU" dirty="0"/>
           </a:p>
@@ -17485,7 +18539,7 @@
 </p:sld>
 </file>
 
-<file path=ppt/slides/slide14.xml><?xml version="1.0" encoding="utf-8"?>
+<file path=ppt/slides/slide15.xml><?xml version="1.0" encoding="utf-8"?>
 <p:sld xmlns:a="http://schemas.openxmlformats.org/drawingml/2006/main" xmlns:r="http://schemas.openxmlformats.org/officeDocument/2006/relationships" xmlns:p="http://schemas.openxmlformats.org/presentationml/2006/main">
   <p:cSld>
     <p:spTree>
@@ -17526,7 +18580,7 @@
             <a:fld id="{D495E168-DA5E-4888-8D8A-92B118324C14}" type="slidenum">
               <a:rPr lang="ru-RU" smtClean="0"/>
               <a:pPr/>
-              <a:t>14</a:t>
+              <a:t>15</a:t>
             </a:fld>
             <a:endParaRPr lang="ru-RU" dirty="0"/>
           </a:p>
@@ -17661,7 +18715,7 @@
 </p:sld>
 </file>
 
-<file path=ppt/slides/slide15.xml><?xml version="1.0" encoding="utf-8"?>
+<file path=ppt/slides/slide16.xml><?xml version="1.0" encoding="utf-8"?>
 <p:sld xmlns:a="http://schemas.openxmlformats.org/drawingml/2006/main" xmlns:r="http://schemas.openxmlformats.org/officeDocument/2006/relationships" xmlns:p="http://schemas.openxmlformats.org/presentationml/2006/main">
   <p:cSld>
     <p:spTree>
@@ -17702,7 +18756,7 @@
             <a:fld id="{D495E168-DA5E-4888-8D8A-92B118324C14}" type="slidenum">
               <a:rPr lang="ru-RU" smtClean="0"/>
               <a:pPr/>
-              <a:t>15</a:t>
+              <a:t>16</a:t>
             </a:fld>
             <a:endParaRPr lang="ru-RU" dirty="0"/>
           </a:p>
@@ -17837,7 +18891,7 @@
 </p:sld>
 </file>
 
-<file path=ppt/slides/slide16.xml><?xml version="1.0" encoding="utf-8"?>
+<file path=ppt/slides/slide17.xml><?xml version="1.0" encoding="utf-8"?>
 <p:sld xmlns:a="http://schemas.openxmlformats.org/drawingml/2006/main" xmlns:r="http://schemas.openxmlformats.org/officeDocument/2006/relationships" xmlns:p="http://schemas.openxmlformats.org/presentationml/2006/main">
   <p:cSld>
     <p:spTree>
@@ -17878,7 +18932,7 @@
             <a:fld id="{D495E168-DA5E-4888-8D8A-92B118324C14}" type="slidenum">
               <a:rPr lang="ru-RU" smtClean="0"/>
               <a:pPr/>
-              <a:t>16</a:t>
+              <a:t>17</a:t>
             </a:fld>
             <a:endParaRPr lang="ru-RU" dirty="0"/>
           </a:p>
@@ -19494,7 +20548,7 @@
 </p:sld>
 </file>
 
-<file path=ppt/slides/slide17.xml><?xml version="1.0" encoding="utf-8"?>
+<file path=ppt/slides/slide18.xml><?xml version="1.0" encoding="utf-8"?>
 <p:sld xmlns:a="http://schemas.openxmlformats.org/drawingml/2006/main" xmlns:r="http://schemas.openxmlformats.org/officeDocument/2006/relationships" xmlns:p="http://schemas.openxmlformats.org/presentationml/2006/main">
   <p:cSld>
     <p:spTree>
@@ -23720,6 +24774,182 @@
       </p:grpSpPr>
       <p:sp>
         <p:nvSpPr>
+          <p:cNvPr id="2" name="Slide Number Placeholder 1">
+            <a:extLst>
+              <a:ext uri="{FF2B5EF4-FFF2-40B4-BE49-F238E27FC236}">
+                <a16:creationId xmlns:a16="http://schemas.microsoft.com/office/drawing/2014/main" id="{E8B55491-80DD-4F1B-890E-E2F7B275B9CA}"/>
+              </a:ext>
+            </a:extLst>
+          </p:cNvPr>
+          <p:cNvSpPr>
+            <a:spLocks noGrp="1"/>
+          </p:cNvSpPr>
+          <p:nvPr>
+            <p:ph type="sldNum" sz="quarter" idx="10"/>
+          </p:nvPr>
+        </p:nvSpPr>
+        <p:spPr/>
+        <p:txBody>
+          <a:bodyPr/>
+          <a:lstStyle/>
+          <a:p>
+            <a:fld id="{D495E168-DA5E-4888-8D8A-92B118324C14}" type="slidenum">
+              <a:rPr lang="ru-RU" smtClean="0"/>
+              <a:pPr/>
+              <a:t>4</a:t>
+            </a:fld>
+            <a:endParaRPr lang="ru-RU" dirty="0"/>
+          </a:p>
+        </p:txBody>
+      </p:sp>
+      <p:pic>
+        <p:nvPicPr>
+          <p:cNvPr id="4" name="Picture 3">
+            <a:extLst>
+              <a:ext uri="{FF2B5EF4-FFF2-40B4-BE49-F238E27FC236}">
+                <a16:creationId xmlns:a16="http://schemas.microsoft.com/office/drawing/2014/main" id="{673C8C73-BA11-43E2-9CAA-66AB266AC53A}"/>
+              </a:ext>
+            </a:extLst>
+          </p:cNvPr>
+          <p:cNvPicPr>
+            <a:picLocks noChangeAspect="1"/>
+          </p:cNvPicPr>
+          <p:nvPr/>
+        </p:nvPicPr>
+        <p:blipFill>
+          <a:blip r:embed="rId2"/>
+          <a:stretch>
+            <a:fillRect/>
+          </a:stretch>
+        </p:blipFill>
+        <p:spPr>
+          <a:xfrm>
+            <a:off x="981043" y="0"/>
+            <a:ext cx="10229913" cy="6858000"/>
+          </a:xfrm>
+          <a:prstGeom prst="rect">
+            <a:avLst/>
+          </a:prstGeom>
+        </p:spPr>
+      </p:pic>
+    </p:spTree>
+    <p:extLst>
+      <p:ext uri="{BB962C8B-B14F-4D97-AF65-F5344CB8AC3E}">
+        <p14:creationId xmlns:p14="http://schemas.microsoft.com/office/powerpoint/2010/main" val="966206782"/>
+      </p:ext>
+    </p:extLst>
+  </p:cSld>
+  <p:clrMapOvr>
+    <a:masterClrMapping/>
+  </p:clrMapOvr>
+  <p:timing>
+    <p:tnLst>
+      <p:par>
+        <p:cTn id="1" dur="indefinite" restart="never" nodeType="tmRoot">
+          <p:childTnLst>
+            <p:seq concurrent="1" nextAc="seek">
+              <p:cTn id="2" dur="indefinite" nodeType="mainSeq">
+                <p:childTnLst>
+                  <p:par>
+                    <p:cTn id="3" fill="hold">
+                      <p:stCondLst>
+                        <p:cond delay="indefinite"/>
+                        <p:cond evt="onBegin" delay="0">
+                          <p:tn val="2"/>
+                        </p:cond>
+                      </p:stCondLst>
+                      <p:childTnLst>
+                        <p:par>
+                          <p:cTn id="4" fill="hold">
+                            <p:stCondLst>
+                              <p:cond delay="0"/>
+                            </p:stCondLst>
+                            <p:childTnLst>
+                              <p:par>
+                                <p:cTn id="5" presetID="14" presetClass="entr" presetSubtype="10" fill="hold" nodeType="withEffect">
+                                  <p:stCondLst>
+                                    <p:cond delay="0"/>
+                                  </p:stCondLst>
+                                  <p:childTnLst>
+                                    <p:set>
+                                      <p:cBhvr>
+                                        <p:cTn id="6" dur="1" fill="hold">
+                                          <p:stCondLst>
+                                            <p:cond delay="0"/>
+                                          </p:stCondLst>
+                                        </p:cTn>
+                                        <p:tgtEl>
+                                          <p:spTgt spid="4"/>
+                                        </p:tgtEl>
+                                        <p:attrNameLst>
+                                          <p:attrName>style.visibility</p:attrName>
+                                        </p:attrNameLst>
+                                      </p:cBhvr>
+                                      <p:to>
+                                        <p:strVal val="visible"/>
+                                      </p:to>
+                                    </p:set>
+                                    <p:animEffect transition="in" filter="randombar(horizontal)">
+                                      <p:cBhvr>
+                                        <p:cTn id="7" dur="500"/>
+                                        <p:tgtEl>
+                                          <p:spTgt spid="4"/>
+                                        </p:tgtEl>
+                                      </p:cBhvr>
+                                    </p:animEffect>
+                                  </p:childTnLst>
+                                </p:cTn>
+                              </p:par>
+                            </p:childTnLst>
+                          </p:cTn>
+                        </p:par>
+                      </p:childTnLst>
+                    </p:cTn>
+                  </p:par>
+                </p:childTnLst>
+              </p:cTn>
+              <p:prevCondLst>
+                <p:cond evt="onPrev" delay="0">
+                  <p:tgtEl>
+                    <p:sldTgt/>
+                  </p:tgtEl>
+                </p:cond>
+              </p:prevCondLst>
+              <p:nextCondLst>
+                <p:cond evt="onNext" delay="0">
+                  <p:tgtEl>
+                    <p:sldTgt/>
+                  </p:tgtEl>
+                </p:cond>
+              </p:nextCondLst>
+            </p:seq>
+          </p:childTnLst>
+        </p:cTn>
+      </p:par>
+    </p:tnLst>
+  </p:timing>
+</p:sld>
+</file>
+
+<file path=ppt/slides/slide5.xml><?xml version="1.0" encoding="utf-8"?>
+<p:sld xmlns:a="http://schemas.openxmlformats.org/drawingml/2006/main" xmlns:r="http://schemas.openxmlformats.org/officeDocument/2006/relationships" xmlns:p="http://schemas.openxmlformats.org/presentationml/2006/main">
+  <p:cSld>
+    <p:spTree>
+      <p:nvGrpSpPr>
+        <p:cNvPr id="1" name=""/>
+        <p:cNvGrpSpPr/>
+        <p:nvPr/>
+      </p:nvGrpSpPr>
+      <p:grpSpPr>
+        <a:xfrm>
+          <a:off x="0" y="0"/>
+          <a:ext cx="0" cy="0"/>
+          <a:chOff x="0" y="0"/>
+          <a:chExt cx="0" cy="0"/>
+        </a:xfrm>
+      </p:grpSpPr>
+      <p:sp>
+        <p:nvSpPr>
           <p:cNvPr id="8" name="Title 7">
             <a:extLst>
               <a:ext uri="{FF2B5EF4-FFF2-40B4-BE49-F238E27FC236}">
@@ -23979,7 +25209,7 @@
             <a:fld id="{D495E168-DA5E-4888-8D8A-92B118324C14}" type="slidenum">
               <a:rPr lang="ru-RU" smtClean="0"/>
               <a:pPr/>
-              <a:t>4</a:t>
+              <a:t>5</a:t>
             </a:fld>
             <a:endParaRPr lang="ru-RU" dirty="0"/>
           </a:p>
@@ -24478,7 +25708,7 @@
 </p:sld>
 </file>
 
-<file path=ppt/slides/slide5.xml><?xml version="1.0" encoding="utf-8"?>
+<file path=ppt/slides/slide6.xml><?xml version="1.0" encoding="utf-8"?>
 <p:sld xmlns:a="http://schemas.openxmlformats.org/drawingml/2006/main" xmlns:r="http://schemas.openxmlformats.org/officeDocument/2006/relationships" xmlns:p="http://schemas.openxmlformats.org/presentationml/2006/main">
   <p:cSld>
     <p:spTree>
@@ -24591,7 +25821,7 @@
             <a:fld id="{D495E168-DA5E-4888-8D8A-92B118324C14}" type="slidenum">
               <a:rPr lang="ru-RU" smtClean="0"/>
               <a:pPr/>
-              <a:t>5</a:t>
+              <a:t>6</a:t>
             </a:fld>
             <a:endParaRPr lang="ru-RU" dirty="0"/>
           </a:p>
@@ -25170,7 +26400,7 @@
 </p:sld>
 </file>
 
-<file path=ppt/slides/slide6.xml><?xml version="1.0" encoding="utf-8"?>
+<file path=ppt/slides/slide7.xml><?xml version="1.0" encoding="utf-8"?>
 <p:sld xmlns:a="http://schemas.openxmlformats.org/drawingml/2006/main" xmlns:r="http://schemas.openxmlformats.org/officeDocument/2006/relationships" xmlns:p="http://schemas.openxmlformats.org/presentationml/2006/main">
   <p:cSld>
     <p:spTree>
@@ -25211,7 +26441,7 @@
             <a:fld id="{D495E168-DA5E-4888-8D8A-92B118324C14}" type="slidenum">
               <a:rPr lang="ru-RU" smtClean="0"/>
               <a:pPr/>
-              <a:t>6</a:t>
+              <a:t>7</a:t>
             </a:fld>
             <a:endParaRPr lang="ru-RU" dirty="0"/>
           </a:p>
@@ -25346,7 +26576,7 @@
 </p:sld>
 </file>
 
-<file path=ppt/slides/slide7.xml><?xml version="1.0" encoding="utf-8"?>
+<file path=ppt/slides/slide8.xml><?xml version="1.0" encoding="utf-8"?>
 <p:sld xmlns:a="http://schemas.openxmlformats.org/drawingml/2006/main" xmlns:r="http://schemas.openxmlformats.org/officeDocument/2006/relationships" xmlns:p="http://schemas.openxmlformats.org/presentationml/2006/main">
   <p:cSld>
     <p:spTree>
@@ -25630,7 +26860,7 @@
             <a:fld id="{D495E168-DA5E-4888-8D8A-92B118324C14}" type="slidenum">
               <a:rPr lang="ru-RU" smtClean="0"/>
               <a:pPr/>
-              <a:t>7</a:t>
+              <a:t>8</a:t>
             </a:fld>
             <a:endParaRPr lang="ru-RU" dirty="0"/>
           </a:p>
@@ -26637,7 +27867,7 @@
 </p:sld>
 </file>
 
-<file path=ppt/slides/slide8.xml><?xml version="1.0" encoding="utf-8"?>
+<file path=ppt/slides/slide9.xml><?xml version="1.0" encoding="utf-8"?>
 <p:sld xmlns:a="http://schemas.openxmlformats.org/drawingml/2006/main" xmlns:r="http://schemas.openxmlformats.org/officeDocument/2006/relationships" xmlns:p="http://schemas.openxmlformats.org/presentationml/2006/main">
   <p:cSld>
     <p:spTree>
@@ -26678,7 +27908,7 @@
             <a:fld id="{D495E168-DA5E-4888-8D8A-92B118324C14}" type="slidenum">
               <a:rPr lang="ru-RU" smtClean="0"/>
               <a:pPr/>
-              <a:t>8</a:t>
+              <a:t>9</a:t>
             </a:fld>
             <a:endParaRPr lang="ru-RU" dirty="0"/>
           </a:p>
@@ -26809,1059 +28039,6 @@
         </p:cTn>
       </p:par>
     </p:tnLst>
-  </p:timing>
-</p:sld>
-</file>
-
-<file path=ppt/slides/slide9.xml><?xml version="1.0" encoding="utf-8"?>
-<p:sld xmlns:a="http://schemas.openxmlformats.org/drawingml/2006/main" xmlns:r="http://schemas.openxmlformats.org/officeDocument/2006/relationships" xmlns:p="http://schemas.openxmlformats.org/presentationml/2006/main">
-  <p:cSld>
-    <p:spTree>
-      <p:nvGrpSpPr>
-        <p:cNvPr id="1" name=""/>
-        <p:cNvGrpSpPr/>
-        <p:nvPr/>
-      </p:nvGrpSpPr>
-      <p:grpSpPr>
-        <a:xfrm>
-          <a:off x="0" y="0"/>
-          <a:ext cx="0" cy="0"/>
-          <a:chOff x="0" y="0"/>
-          <a:chExt cx="0" cy="0"/>
-        </a:xfrm>
-      </p:grpSpPr>
-      <p:sp>
-        <p:nvSpPr>
-          <p:cNvPr id="8" name="Title 7">
-            <a:extLst>
-              <a:ext uri="{FF2B5EF4-FFF2-40B4-BE49-F238E27FC236}">
-                <a16:creationId xmlns:a16="http://schemas.microsoft.com/office/drawing/2014/main" id="{0719E0E7-CFBA-48B5-AA1B-EA5B887F6650}"/>
-              </a:ext>
-            </a:extLst>
-          </p:cNvPr>
-          <p:cNvSpPr>
-            <a:spLocks noGrp="1"/>
-          </p:cNvSpPr>
-          <p:nvPr>
-            <p:ph type="title"/>
-          </p:nvPr>
-        </p:nvSpPr>
-        <p:spPr bwMode="grayWhite">
-          <a:xfrm>
-            <a:off x="259127" y="722554"/>
-            <a:ext cx="6159428" cy="1134313"/>
-          </a:xfrm>
-        </p:spPr>
-        <p:txBody>
-          <a:bodyPr>
-            <a:normAutofit/>
-          </a:bodyPr>
-          <a:lstStyle/>
-          <a:p>
-            <a:r>
-              <a:rPr lang="en-US" sz="4800" dirty="0"/>
-              <a:t>Results </a:t>
-            </a:r>
-            <a:endParaRPr lang="ru-RU" sz="4800" dirty="0"/>
-          </a:p>
-        </p:txBody>
-      </p:sp>
-      <p:sp>
-        <p:nvSpPr>
-          <p:cNvPr id="2" name="Slide Number Placeholder 1">
-            <a:extLst>
-              <a:ext uri="{FF2B5EF4-FFF2-40B4-BE49-F238E27FC236}">
-                <a16:creationId xmlns:a16="http://schemas.microsoft.com/office/drawing/2014/main" id="{7D609542-DD6D-4EC5-B1B2-054C2BE79B96}"/>
-              </a:ext>
-            </a:extLst>
-          </p:cNvPr>
-          <p:cNvSpPr>
-            <a:spLocks noGrp="1"/>
-          </p:cNvSpPr>
-          <p:nvPr>
-            <p:ph type="sldNum" sz="quarter" idx="10"/>
-          </p:nvPr>
-        </p:nvSpPr>
-        <p:spPr bwMode="grayWhite"/>
-        <p:txBody>
-          <a:bodyPr/>
-          <a:lstStyle/>
-          <a:p>
-            <a:fld id="{D495E168-DA5E-4888-8D8A-92B118324C14}" type="slidenum">
-              <a:rPr lang="ru-RU" smtClean="0"/>
-              <a:pPr/>
-              <a:t>9</a:t>
-            </a:fld>
-            <a:endParaRPr lang="ru-RU" dirty="0"/>
-          </a:p>
-        </p:txBody>
-      </p:sp>
-      <p:sp>
-        <p:nvSpPr>
-          <p:cNvPr id="10" name="Text Placeholder 3">
-            <a:extLst>
-              <a:ext uri="{FF2B5EF4-FFF2-40B4-BE49-F238E27FC236}">
-                <a16:creationId xmlns:a16="http://schemas.microsoft.com/office/drawing/2014/main" id="{C4BD4B59-103B-4C11-814F-8E600D6619E7}"/>
-              </a:ext>
-            </a:extLst>
-          </p:cNvPr>
-          <p:cNvSpPr txBox="1">
-            <a:spLocks/>
-          </p:cNvSpPr>
-          <p:nvPr/>
-        </p:nvSpPr>
-        <p:spPr>
-          <a:xfrm>
-            <a:off x="56110" y="2651950"/>
-            <a:ext cx="4793064" cy="3483496"/>
-          </a:xfrm>
-          <a:prstGeom prst="rect">
-            <a:avLst/>
-          </a:prstGeom>
-        </p:spPr>
-        <p:txBody>
-          <a:bodyPr>
-            <a:normAutofit/>
-          </a:bodyPr>
-          <a:lstStyle>
-            <a:lvl1pPr marL="228600" indent="-228600" algn="l" defTabSz="914400" rtl="0" eaLnBrk="1" latinLnBrk="0" hangingPunct="1">
-              <a:lnSpc>
-                <a:spcPct val="90000"/>
-              </a:lnSpc>
-              <a:spcBef>
-                <a:spcPts val="1000"/>
-              </a:spcBef>
-              <a:buFont typeface="Arial" panose="020B0604020202020204" pitchFamily="34" charset="0"/>
-              <a:buChar char="•"/>
-              <a:defRPr sz="2800" kern="1200">
-                <a:solidFill>
-                  <a:schemeClr val="tx2"/>
-                </a:solidFill>
-                <a:latin typeface="+mn-lt"/>
-                <a:ea typeface="+mn-ea"/>
-                <a:cs typeface="+mn-cs"/>
-              </a:defRPr>
-            </a:lvl1pPr>
-            <a:lvl2pPr marL="685800" indent="-228600" algn="l" defTabSz="914400" rtl="0" eaLnBrk="1" latinLnBrk="0" hangingPunct="1">
-              <a:lnSpc>
-                <a:spcPct val="90000"/>
-              </a:lnSpc>
-              <a:spcBef>
-                <a:spcPts val="500"/>
-              </a:spcBef>
-              <a:buFont typeface="Arial" panose="020B0604020202020204" pitchFamily="34" charset="0"/>
-              <a:buChar char="•"/>
-              <a:defRPr sz="2400" kern="1200">
-                <a:solidFill>
-                  <a:schemeClr val="tx2"/>
-                </a:solidFill>
-                <a:latin typeface="+mn-lt"/>
-                <a:ea typeface="+mn-ea"/>
-                <a:cs typeface="+mn-cs"/>
-              </a:defRPr>
-            </a:lvl2pPr>
-            <a:lvl3pPr marL="1143000" indent="-228600" algn="l" defTabSz="914400" rtl="0" eaLnBrk="1" latinLnBrk="0" hangingPunct="1">
-              <a:lnSpc>
-                <a:spcPct val="90000"/>
-              </a:lnSpc>
-              <a:spcBef>
-                <a:spcPts val="500"/>
-              </a:spcBef>
-              <a:buFont typeface="Arial" panose="020B0604020202020204" pitchFamily="34" charset="0"/>
-              <a:buChar char="•"/>
-              <a:defRPr sz="2000" kern="1200">
-                <a:solidFill>
-                  <a:schemeClr val="tx2"/>
-                </a:solidFill>
-                <a:latin typeface="+mn-lt"/>
-                <a:ea typeface="+mn-ea"/>
-                <a:cs typeface="+mn-cs"/>
-              </a:defRPr>
-            </a:lvl3pPr>
-            <a:lvl4pPr marL="1600200" indent="-228600" algn="l" defTabSz="914400" rtl="0" eaLnBrk="1" latinLnBrk="0" hangingPunct="1">
-              <a:lnSpc>
-                <a:spcPct val="90000"/>
-              </a:lnSpc>
-              <a:spcBef>
-                <a:spcPts val="500"/>
-              </a:spcBef>
-              <a:buFont typeface="Arial" panose="020B0604020202020204" pitchFamily="34" charset="0"/>
-              <a:buChar char="•"/>
-              <a:defRPr sz="1800" kern="1200">
-                <a:solidFill>
-                  <a:schemeClr val="tx2"/>
-                </a:solidFill>
-                <a:latin typeface="+mn-lt"/>
-                <a:ea typeface="+mn-ea"/>
-                <a:cs typeface="+mn-cs"/>
-              </a:defRPr>
-            </a:lvl4pPr>
-            <a:lvl5pPr marL="2057400" indent="-228600" algn="l" defTabSz="914400" rtl="0" eaLnBrk="1" latinLnBrk="0" hangingPunct="1">
-              <a:lnSpc>
-                <a:spcPct val="90000"/>
-              </a:lnSpc>
-              <a:spcBef>
-                <a:spcPts val="500"/>
-              </a:spcBef>
-              <a:buFont typeface="Arial" panose="020B0604020202020204" pitchFamily="34" charset="0"/>
-              <a:buChar char="•"/>
-              <a:defRPr sz="1800" kern="1200">
-                <a:solidFill>
-                  <a:schemeClr val="tx2"/>
-                </a:solidFill>
-                <a:latin typeface="+mn-lt"/>
-                <a:ea typeface="+mn-ea"/>
-                <a:cs typeface="+mn-cs"/>
-              </a:defRPr>
-            </a:lvl5pPr>
-            <a:lvl6pPr marL="2514600" indent="-228600" algn="l" defTabSz="914400" rtl="0" eaLnBrk="1" latinLnBrk="0" hangingPunct="1">
-              <a:lnSpc>
-                <a:spcPct val="90000"/>
-              </a:lnSpc>
-              <a:spcBef>
-                <a:spcPts val="500"/>
-              </a:spcBef>
-              <a:buFont typeface="Arial" panose="020B0604020202020204" pitchFamily="34" charset="0"/>
-              <a:buChar char="•"/>
-              <a:defRPr sz="1800" kern="1200">
-                <a:solidFill>
-                  <a:schemeClr val="tx1"/>
-                </a:solidFill>
-                <a:latin typeface="+mn-lt"/>
-                <a:ea typeface="+mn-ea"/>
-                <a:cs typeface="+mn-cs"/>
-              </a:defRPr>
-            </a:lvl6pPr>
-            <a:lvl7pPr marL="2971800" indent="-228600" algn="l" defTabSz="914400" rtl="0" eaLnBrk="1" latinLnBrk="0" hangingPunct="1">
-              <a:lnSpc>
-                <a:spcPct val="90000"/>
-              </a:lnSpc>
-              <a:spcBef>
-                <a:spcPts val="500"/>
-              </a:spcBef>
-              <a:buFont typeface="Arial" panose="020B0604020202020204" pitchFamily="34" charset="0"/>
-              <a:buChar char="•"/>
-              <a:defRPr sz="1800" kern="1200">
-                <a:solidFill>
-                  <a:schemeClr val="tx1"/>
-                </a:solidFill>
-                <a:latin typeface="+mn-lt"/>
-                <a:ea typeface="+mn-ea"/>
-                <a:cs typeface="+mn-cs"/>
-              </a:defRPr>
-            </a:lvl7pPr>
-            <a:lvl8pPr marL="3429000" indent="-228600" algn="l" defTabSz="914400" rtl="0" eaLnBrk="1" latinLnBrk="0" hangingPunct="1">
-              <a:lnSpc>
-                <a:spcPct val="90000"/>
-              </a:lnSpc>
-              <a:spcBef>
-                <a:spcPts val="500"/>
-              </a:spcBef>
-              <a:buFont typeface="Arial" panose="020B0604020202020204" pitchFamily="34" charset="0"/>
-              <a:buChar char="•"/>
-              <a:defRPr sz="1800" kern="1200">
-                <a:solidFill>
-                  <a:schemeClr val="tx1"/>
-                </a:solidFill>
-                <a:latin typeface="+mn-lt"/>
-                <a:ea typeface="+mn-ea"/>
-                <a:cs typeface="+mn-cs"/>
-              </a:defRPr>
-            </a:lvl8pPr>
-            <a:lvl9pPr marL="3886200" indent="-228600" algn="l" defTabSz="914400" rtl="0" eaLnBrk="1" latinLnBrk="0" hangingPunct="1">
-              <a:lnSpc>
-                <a:spcPct val="90000"/>
-              </a:lnSpc>
-              <a:spcBef>
-                <a:spcPts val="500"/>
-              </a:spcBef>
-              <a:buFont typeface="Arial" panose="020B0604020202020204" pitchFamily="34" charset="0"/>
-              <a:buChar char="•"/>
-              <a:defRPr sz="1800" kern="1200">
-                <a:solidFill>
-                  <a:schemeClr val="tx1"/>
-                </a:solidFill>
-                <a:latin typeface="+mn-lt"/>
-                <a:ea typeface="+mn-ea"/>
-                <a:cs typeface="+mn-cs"/>
-              </a:defRPr>
-            </a:lvl9pPr>
-          </a:lstStyle>
-          <a:p>
-            <a:pPr>
-              <a:lnSpc>
-                <a:spcPct val="100000"/>
-              </a:lnSpc>
-            </a:pPr>
-            <a:r>
-              <a:rPr lang="en-US" sz="1600" dirty="0">
-                <a:solidFill>
-                  <a:schemeClr val="bg1">
-                    <a:lumMod val="85000"/>
-                  </a:schemeClr>
-                </a:solidFill>
-              </a:rPr>
-              <a:t>This module allows one to get the examination results of the student.</a:t>
-            </a:r>
-          </a:p>
-          <a:p>
-            <a:pPr>
-              <a:lnSpc>
-                <a:spcPct val="100000"/>
-              </a:lnSpc>
-            </a:pPr>
-            <a:r>
-              <a:rPr lang="en-US" sz="1600" dirty="0">
-                <a:solidFill>
-                  <a:schemeClr val="bg1">
-                    <a:lumMod val="85000"/>
-                  </a:schemeClr>
-                </a:solidFill>
-              </a:rPr>
-              <a:t>It displays the obtained marks, total marks, percentage, and the status of the result.</a:t>
-            </a:r>
-          </a:p>
-          <a:p>
-            <a:pPr>
-              <a:lnSpc>
-                <a:spcPct val="100000"/>
-              </a:lnSpc>
-            </a:pPr>
-            <a:r>
-              <a:rPr lang="en-US" sz="1600" dirty="0">
-                <a:solidFill>
-                  <a:schemeClr val="bg1">
-                    <a:lumMod val="85000"/>
-                  </a:schemeClr>
-                </a:solidFill>
-              </a:rPr>
-              <a:t>Features :-</a:t>
-            </a:r>
-          </a:p>
-          <a:p>
-            <a:pPr lvl="1">
-              <a:lnSpc>
-                <a:spcPct val="100000"/>
-              </a:lnSpc>
-              <a:buFont typeface="Wingdings" panose="05000000000000000000" pitchFamily="2" charset="2"/>
-              <a:buChar char="ü"/>
-            </a:pPr>
-            <a:r>
-              <a:rPr lang="en-US" sz="1600" dirty="0">
-                <a:solidFill>
-                  <a:srgbClr val="FF0000"/>
-                </a:solidFill>
-              </a:rPr>
-              <a:t>Red-Alert</a:t>
-            </a:r>
-            <a:r>
-              <a:rPr lang="en-US" sz="1600" dirty="0">
-                <a:solidFill>
-                  <a:schemeClr val="bg1">
-                    <a:lumMod val="85000"/>
-                  </a:schemeClr>
-                </a:solidFill>
-              </a:rPr>
-              <a:t> for low result.</a:t>
-            </a:r>
-          </a:p>
-          <a:p>
-            <a:pPr lvl="1">
-              <a:lnSpc>
-                <a:spcPct val="100000"/>
-              </a:lnSpc>
-              <a:buFont typeface="Wingdings" panose="05000000000000000000" pitchFamily="2" charset="2"/>
-              <a:buChar char="ü"/>
-            </a:pPr>
-            <a:r>
-              <a:rPr lang="en-US" sz="1800" dirty="0">
-                <a:solidFill>
-                  <a:srgbClr val="FFFF00"/>
-                </a:solidFill>
-              </a:rPr>
-              <a:t>Display the List of TOP 5 RANKERS.</a:t>
-            </a:r>
-          </a:p>
-          <a:p>
-            <a:pPr lvl="1">
-              <a:lnSpc>
-                <a:spcPct val="100000"/>
-              </a:lnSpc>
-              <a:buFont typeface="Wingdings" panose="05000000000000000000" pitchFamily="2" charset="2"/>
-              <a:buChar char="ü"/>
-            </a:pPr>
-            <a:r>
-              <a:rPr lang="en-US" sz="1600" dirty="0">
-                <a:solidFill>
-                  <a:schemeClr val="bg1">
-                    <a:lumMod val="85000"/>
-                  </a:schemeClr>
-                </a:solidFill>
-              </a:rPr>
-              <a:t>Fetches result semester wise.</a:t>
-            </a:r>
-          </a:p>
-          <a:p>
-            <a:pPr lvl="1">
-              <a:lnSpc>
-                <a:spcPct val="100000"/>
-              </a:lnSpc>
-              <a:buFont typeface="Wingdings" panose="05000000000000000000" pitchFamily="2" charset="2"/>
-              <a:buChar char="ü"/>
-            </a:pPr>
-            <a:r>
-              <a:rPr lang="en-US" sz="1600" dirty="0">
-                <a:solidFill>
-                  <a:schemeClr val="bg1">
-                    <a:lumMod val="85000"/>
-                  </a:schemeClr>
-                </a:solidFill>
-              </a:rPr>
-              <a:t>Displays the Pass and Fail status based on total percentage.</a:t>
-            </a:r>
-          </a:p>
-          <a:p>
-            <a:pPr lvl="1">
-              <a:lnSpc>
-                <a:spcPct val="100000"/>
-              </a:lnSpc>
-              <a:buFont typeface="Wingdings" panose="05000000000000000000" pitchFamily="2" charset="2"/>
-              <a:buChar char="ü"/>
-            </a:pPr>
-            <a:r>
-              <a:rPr lang="en-US" sz="1600" dirty="0">
-                <a:solidFill>
-                  <a:schemeClr val="bg1">
-                    <a:lumMod val="85000"/>
-                  </a:schemeClr>
-                </a:solidFill>
-              </a:rPr>
-              <a:t>Completely Dynamic</a:t>
-            </a:r>
-          </a:p>
-          <a:p>
-            <a:pPr>
-              <a:buFont typeface="Wingdings" panose="05000000000000000000" pitchFamily="2" charset="2"/>
-              <a:buChar char="ü"/>
-            </a:pPr>
-            <a:endParaRPr lang="en-US" sz="1600" dirty="0"/>
-          </a:p>
-        </p:txBody>
-      </p:sp>
-      <p:pic>
-        <p:nvPicPr>
-          <p:cNvPr id="12" name="Picture Placeholder 8">
-            <a:extLst>
-              <a:ext uri="{FF2B5EF4-FFF2-40B4-BE49-F238E27FC236}">
-                <a16:creationId xmlns:a16="http://schemas.microsoft.com/office/drawing/2014/main" id="{666DA894-AAC7-4015-8958-7288E33A4F6F}"/>
-              </a:ext>
-            </a:extLst>
-          </p:cNvPr>
-          <p:cNvPicPr>
-            <a:picLocks noChangeAspect="1"/>
-          </p:cNvPicPr>
-          <p:nvPr/>
-        </p:nvPicPr>
-        <p:blipFill rotWithShape="1">
-          <a:blip r:embed="rId2"/>
-          <a:srcRect l="1739" t="-3706" r="5042" b="1749"/>
-          <a:stretch/>
-        </p:blipFill>
-        <p:spPr>
-          <a:xfrm>
-            <a:off x="4883500" y="219159"/>
-            <a:ext cx="7131357" cy="6473043"/>
-          </a:xfrm>
-          <a:custGeom>
-            <a:avLst/>
-            <a:gdLst>
-              <a:gd name="connsiteX0" fmla="*/ 0 w 6108872"/>
-              <a:gd name="connsiteY0" fmla="*/ 2203471 h 5485128"/>
-              <a:gd name="connsiteX1" fmla="*/ 6108872 w 6108872"/>
-              <a:gd name="connsiteY1" fmla="*/ 3505695 h 5485128"/>
-              <a:gd name="connsiteX2" fmla="*/ 6108872 w 6108872"/>
-              <a:gd name="connsiteY2" fmla="*/ 5485128 h 5485128"/>
-              <a:gd name="connsiteX3" fmla="*/ 0 w 6108872"/>
-              <a:gd name="connsiteY3" fmla="*/ 4182903 h 5485128"/>
-              <a:gd name="connsiteX4" fmla="*/ 0 w 6108872"/>
-              <a:gd name="connsiteY4" fmla="*/ 0 h 5485128"/>
-              <a:gd name="connsiteX5" fmla="*/ 6108872 w 6108872"/>
-              <a:gd name="connsiteY5" fmla="*/ 1302225 h 5485128"/>
-              <a:gd name="connsiteX6" fmla="*/ 6108872 w 6108872"/>
-              <a:gd name="connsiteY6" fmla="*/ 3281657 h 5485128"/>
-              <a:gd name="connsiteX7" fmla="*/ 0 w 6108872"/>
-              <a:gd name="connsiteY7" fmla="*/ 1979432 h 5485128"/>
-            </a:gdLst>
-            <a:ahLst/>
-            <a:cxnLst>
-              <a:cxn ang="0">
-                <a:pos x="connsiteX0" y="connsiteY0"/>
-              </a:cxn>
-              <a:cxn ang="0">
-                <a:pos x="connsiteX1" y="connsiteY1"/>
-              </a:cxn>
-              <a:cxn ang="0">
-                <a:pos x="connsiteX2" y="connsiteY2"/>
-              </a:cxn>
-              <a:cxn ang="0">
-                <a:pos x="connsiteX3" y="connsiteY3"/>
-              </a:cxn>
-              <a:cxn ang="0">
-                <a:pos x="connsiteX4" y="connsiteY4"/>
-              </a:cxn>
-              <a:cxn ang="0">
-                <a:pos x="connsiteX5" y="connsiteY5"/>
-              </a:cxn>
-              <a:cxn ang="0">
-                <a:pos x="connsiteX6" y="connsiteY6"/>
-              </a:cxn>
-              <a:cxn ang="0">
-                <a:pos x="connsiteX7" y="connsiteY7"/>
-              </a:cxn>
-            </a:cxnLst>
-            <a:rect l="l" t="t" r="r" b="b"/>
-            <a:pathLst>
-              <a:path w="6108872" h="5485128">
-                <a:moveTo>
-                  <a:pt x="0" y="2203471"/>
-                </a:moveTo>
-                <a:lnTo>
-                  <a:pt x="6108872" y="3505695"/>
-                </a:lnTo>
-                <a:lnTo>
-                  <a:pt x="6108872" y="5485128"/>
-                </a:lnTo>
-                <a:lnTo>
-                  <a:pt x="0" y="4182903"/>
-                </a:lnTo>
-                <a:close/>
-                <a:moveTo>
-                  <a:pt x="0" y="0"/>
-                </a:moveTo>
-                <a:lnTo>
-                  <a:pt x="6108872" y="1302225"/>
-                </a:lnTo>
-                <a:lnTo>
-                  <a:pt x="6108872" y="3281657"/>
-                </a:lnTo>
-                <a:lnTo>
-                  <a:pt x="0" y="1979432"/>
-                </a:lnTo>
-                <a:close/>
-              </a:path>
-            </a:pathLst>
-          </a:custGeom>
-        </p:spPr>
-      </p:pic>
-      <p:sp>
-        <p:nvSpPr>
-          <p:cNvPr id="13" name="Text Placeholder 5">
-            <a:extLst>
-              <a:ext uri="{FF2B5EF4-FFF2-40B4-BE49-F238E27FC236}">
-                <a16:creationId xmlns:a16="http://schemas.microsoft.com/office/drawing/2014/main" id="{FC02AE8F-6EEF-4499-8D1F-8E44D09F11FB}"/>
-              </a:ext>
-            </a:extLst>
-          </p:cNvPr>
-          <p:cNvSpPr txBox="1">
-            <a:spLocks/>
-          </p:cNvSpPr>
-          <p:nvPr/>
-        </p:nvSpPr>
-        <p:spPr>
-          <a:xfrm>
-            <a:off x="43273" y="2128912"/>
-            <a:ext cx="5056082" cy="617095"/>
-          </a:xfrm>
-          <a:prstGeom prst="rect">
-            <a:avLst/>
-          </a:prstGeom>
-        </p:spPr>
-        <p:txBody>
-          <a:bodyPr vert="horz" lIns="91440" tIns="45720" rIns="91440" bIns="45720" rtlCol="0">
-            <a:normAutofit/>
-          </a:bodyPr>
-          <a:lstStyle>
-            <a:lvl1pPr marL="0" indent="0" algn="l" defTabSz="914400" rtl="0" eaLnBrk="1" latinLnBrk="0" hangingPunct="1">
-              <a:lnSpc>
-                <a:spcPct val="90000"/>
-              </a:lnSpc>
-              <a:spcBef>
-                <a:spcPts val="1000"/>
-              </a:spcBef>
-              <a:buFont typeface="Arial" panose="020B0604020202020204" pitchFamily="34" charset="0"/>
-              <a:buNone/>
-              <a:defRPr sz="2200" kern="1200">
-                <a:solidFill>
-                  <a:schemeClr val="tx2"/>
-                </a:solidFill>
-                <a:latin typeface="+mn-lt"/>
-                <a:ea typeface="+mn-ea"/>
-                <a:cs typeface="+mn-cs"/>
-              </a:defRPr>
-            </a:lvl1pPr>
-            <a:lvl2pPr marL="685800" indent="-228600" algn="l" defTabSz="914400" rtl="0" eaLnBrk="1" latinLnBrk="0" hangingPunct="1">
-              <a:lnSpc>
-                <a:spcPct val="90000"/>
-              </a:lnSpc>
-              <a:spcBef>
-                <a:spcPts val="500"/>
-              </a:spcBef>
-              <a:buFont typeface="Arial" panose="020B0604020202020204" pitchFamily="34" charset="0"/>
-              <a:buChar char="•"/>
-              <a:defRPr sz="1800" kern="1200">
-                <a:solidFill>
-                  <a:schemeClr val="tx2"/>
-                </a:solidFill>
-                <a:latin typeface="+mn-lt"/>
-                <a:ea typeface="+mn-ea"/>
-                <a:cs typeface="+mn-cs"/>
-              </a:defRPr>
-            </a:lvl2pPr>
-            <a:lvl3pPr marL="1143000" indent="-228600" algn="l" defTabSz="914400" rtl="0" eaLnBrk="1" latinLnBrk="0" hangingPunct="1">
-              <a:lnSpc>
-                <a:spcPct val="90000"/>
-              </a:lnSpc>
-              <a:spcBef>
-                <a:spcPts val="500"/>
-              </a:spcBef>
-              <a:buFont typeface="Arial" panose="020B0604020202020204" pitchFamily="34" charset="0"/>
-              <a:buChar char="•"/>
-              <a:defRPr sz="1800" kern="1200">
-                <a:solidFill>
-                  <a:schemeClr val="tx2"/>
-                </a:solidFill>
-                <a:latin typeface="+mn-lt"/>
-                <a:ea typeface="+mn-ea"/>
-                <a:cs typeface="+mn-cs"/>
-              </a:defRPr>
-            </a:lvl3pPr>
-            <a:lvl4pPr marL="1600200" indent="-228600" algn="l" defTabSz="914400" rtl="0" eaLnBrk="1" latinLnBrk="0" hangingPunct="1">
-              <a:lnSpc>
-                <a:spcPct val="90000"/>
-              </a:lnSpc>
-              <a:spcBef>
-                <a:spcPts val="500"/>
-              </a:spcBef>
-              <a:buFont typeface="Arial" panose="020B0604020202020204" pitchFamily="34" charset="0"/>
-              <a:buChar char="•"/>
-              <a:defRPr sz="1800" kern="1200">
-                <a:solidFill>
-                  <a:schemeClr val="tx2"/>
-                </a:solidFill>
-                <a:latin typeface="+mn-lt"/>
-                <a:ea typeface="+mn-ea"/>
-                <a:cs typeface="+mn-cs"/>
-              </a:defRPr>
-            </a:lvl4pPr>
-            <a:lvl5pPr marL="2057400" indent="-228600" algn="l" defTabSz="914400" rtl="0" eaLnBrk="1" latinLnBrk="0" hangingPunct="1">
-              <a:lnSpc>
-                <a:spcPct val="90000"/>
-              </a:lnSpc>
-              <a:spcBef>
-                <a:spcPts val="500"/>
-              </a:spcBef>
-              <a:buFont typeface="Arial" panose="020B0604020202020204" pitchFamily="34" charset="0"/>
-              <a:buChar char="•"/>
-              <a:defRPr sz="1800" kern="1200">
-                <a:solidFill>
-                  <a:schemeClr val="tx2"/>
-                </a:solidFill>
-                <a:latin typeface="+mn-lt"/>
-                <a:ea typeface="+mn-ea"/>
-                <a:cs typeface="+mn-cs"/>
-              </a:defRPr>
-            </a:lvl5pPr>
-            <a:lvl6pPr marL="2514600" indent="-228600" algn="l" defTabSz="914400" rtl="0" eaLnBrk="1" latinLnBrk="0" hangingPunct="1">
-              <a:lnSpc>
-                <a:spcPct val="90000"/>
-              </a:lnSpc>
-              <a:spcBef>
-                <a:spcPts val="500"/>
-              </a:spcBef>
-              <a:buFont typeface="Arial" panose="020B0604020202020204" pitchFamily="34" charset="0"/>
-              <a:buChar char="•"/>
-              <a:defRPr sz="1800" kern="1200">
-                <a:solidFill>
-                  <a:schemeClr val="tx1"/>
-                </a:solidFill>
-                <a:latin typeface="+mn-lt"/>
-                <a:ea typeface="+mn-ea"/>
-                <a:cs typeface="+mn-cs"/>
-              </a:defRPr>
-            </a:lvl6pPr>
-            <a:lvl7pPr marL="2971800" indent="-228600" algn="l" defTabSz="914400" rtl="0" eaLnBrk="1" latinLnBrk="0" hangingPunct="1">
-              <a:lnSpc>
-                <a:spcPct val="90000"/>
-              </a:lnSpc>
-              <a:spcBef>
-                <a:spcPts val="500"/>
-              </a:spcBef>
-              <a:buFont typeface="Arial" panose="020B0604020202020204" pitchFamily="34" charset="0"/>
-              <a:buChar char="•"/>
-              <a:defRPr sz="1800" kern="1200">
-                <a:solidFill>
-                  <a:schemeClr val="tx1"/>
-                </a:solidFill>
-                <a:latin typeface="+mn-lt"/>
-                <a:ea typeface="+mn-ea"/>
-                <a:cs typeface="+mn-cs"/>
-              </a:defRPr>
-            </a:lvl7pPr>
-            <a:lvl8pPr marL="3429000" indent="-228600" algn="l" defTabSz="914400" rtl="0" eaLnBrk="1" latinLnBrk="0" hangingPunct="1">
-              <a:lnSpc>
-                <a:spcPct val="90000"/>
-              </a:lnSpc>
-              <a:spcBef>
-                <a:spcPts val="500"/>
-              </a:spcBef>
-              <a:buFont typeface="Arial" panose="020B0604020202020204" pitchFamily="34" charset="0"/>
-              <a:buChar char="•"/>
-              <a:defRPr sz="1800" kern="1200">
-                <a:solidFill>
-                  <a:schemeClr val="tx1"/>
-                </a:solidFill>
-                <a:latin typeface="+mn-lt"/>
-                <a:ea typeface="+mn-ea"/>
-                <a:cs typeface="+mn-cs"/>
-              </a:defRPr>
-            </a:lvl8pPr>
-            <a:lvl9pPr marL="3886200" indent="-228600" algn="l" defTabSz="914400" rtl="0" eaLnBrk="1" latinLnBrk="0" hangingPunct="1">
-              <a:lnSpc>
-                <a:spcPct val="90000"/>
-              </a:lnSpc>
-              <a:spcBef>
-                <a:spcPts val="500"/>
-              </a:spcBef>
-              <a:buFont typeface="Arial" panose="020B0604020202020204" pitchFamily="34" charset="0"/>
-              <a:buChar char="•"/>
-              <a:defRPr sz="1800" kern="1200">
-                <a:solidFill>
-                  <a:schemeClr val="tx1"/>
-                </a:solidFill>
-                <a:latin typeface="+mn-lt"/>
-                <a:ea typeface="+mn-ea"/>
-                <a:cs typeface="+mn-cs"/>
-              </a:defRPr>
-            </a:lvl9pPr>
-          </a:lstStyle>
-          <a:p>
-            <a:r>
-              <a:rPr lang="en-US" sz="2000" b="1" dirty="0"/>
-              <a:t>A Dynamic Result Management System</a:t>
-            </a:r>
-            <a:endParaRPr lang="ru-RU" sz="2000" b="1" dirty="0"/>
-          </a:p>
-        </p:txBody>
-      </p:sp>
-    </p:spTree>
-    <p:extLst>
-      <p:ext uri="{BB962C8B-B14F-4D97-AF65-F5344CB8AC3E}">
-        <p14:creationId xmlns:p14="http://schemas.microsoft.com/office/powerpoint/2010/main" val="1174525770"/>
-      </p:ext>
-    </p:extLst>
-  </p:cSld>
-  <p:clrMapOvr>
-    <a:masterClrMapping/>
-  </p:clrMapOvr>
-  <p:timing>
-    <p:tnLst>
-      <p:par>
-        <p:cTn id="1" dur="indefinite" restart="never" nodeType="tmRoot">
-          <p:childTnLst>
-            <p:seq concurrent="1" nextAc="seek">
-              <p:cTn id="2" dur="indefinite" nodeType="mainSeq">
-                <p:childTnLst>
-                  <p:par>
-                    <p:cTn id="3" fill="hold">
-                      <p:stCondLst>
-                        <p:cond delay="indefinite"/>
-                        <p:cond evt="onBegin" delay="0">
-                          <p:tn val="2"/>
-                        </p:cond>
-                      </p:stCondLst>
-                      <p:childTnLst>
-                        <p:par>
-                          <p:cTn id="4" fill="hold">
-                            <p:stCondLst>
-                              <p:cond delay="0"/>
-                            </p:stCondLst>
-                            <p:childTnLst>
-                              <p:par>
-                                <p:cTn id="5" presetID="16" presetClass="entr" presetSubtype="21" fill="hold" grpId="0" nodeType="withEffect">
-                                  <p:stCondLst>
-                                    <p:cond delay="0"/>
-                                  </p:stCondLst>
-                                  <p:childTnLst>
-                                    <p:set>
-                                      <p:cBhvr>
-                                        <p:cTn id="6" dur="1" fill="hold">
-                                          <p:stCondLst>
-                                            <p:cond delay="0"/>
-                                          </p:stCondLst>
-                                        </p:cTn>
-                                        <p:tgtEl>
-                                          <p:spTgt spid="8"/>
-                                        </p:tgtEl>
-                                        <p:attrNameLst>
-                                          <p:attrName>style.visibility</p:attrName>
-                                        </p:attrNameLst>
-                                      </p:cBhvr>
-                                      <p:to>
-                                        <p:strVal val="visible"/>
-                                      </p:to>
-                                    </p:set>
-                                    <p:animEffect transition="in" filter="barn(inVertical)">
-                                      <p:cBhvr>
-                                        <p:cTn id="7" dur="500"/>
-                                        <p:tgtEl>
-                                          <p:spTgt spid="8"/>
-                                        </p:tgtEl>
-                                      </p:cBhvr>
-                                    </p:animEffect>
-                                  </p:childTnLst>
-                                </p:cTn>
-                              </p:par>
-                              <p:par>
-                                <p:cTn id="8" presetID="32" presetClass="emph" presetSubtype="0" fill="hold" nodeType="withEffect">
-                                  <p:stCondLst>
-                                    <p:cond delay="0"/>
-                                  </p:stCondLst>
-                                  <p:childTnLst>
-                                    <p:animRot by="120000">
-                                      <p:cBhvr>
-                                        <p:cTn id="9" dur="100" fill="hold">
-                                          <p:stCondLst>
-                                            <p:cond delay="0"/>
-                                          </p:stCondLst>
-                                        </p:cTn>
-                                        <p:tgtEl>
-                                          <p:spTgt spid="12"/>
-                                        </p:tgtEl>
-                                        <p:attrNameLst>
-                                          <p:attrName>r</p:attrName>
-                                        </p:attrNameLst>
-                                      </p:cBhvr>
-                                    </p:animRot>
-                                    <p:animRot by="-240000">
-                                      <p:cBhvr>
-                                        <p:cTn id="10" dur="200" fill="hold">
-                                          <p:stCondLst>
-                                            <p:cond delay="200"/>
-                                          </p:stCondLst>
-                                        </p:cTn>
-                                        <p:tgtEl>
-                                          <p:spTgt spid="12"/>
-                                        </p:tgtEl>
-                                        <p:attrNameLst>
-                                          <p:attrName>r</p:attrName>
-                                        </p:attrNameLst>
-                                      </p:cBhvr>
-                                    </p:animRot>
-                                    <p:animRot by="240000">
-                                      <p:cBhvr>
-                                        <p:cTn id="11" dur="200" fill="hold">
-                                          <p:stCondLst>
-                                            <p:cond delay="400"/>
-                                          </p:stCondLst>
-                                        </p:cTn>
-                                        <p:tgtEl>
-                                          <p:spTgt spid="12"/>
-                                        </p:tgtEl>
-                                        <p:attrNameLst>
-                                          <p:attrName>r</p:attrName>
-                                        </p:attrNameLst>
-                                      </p:cBhvr>
-                                    </p:animRot>
-                                    <p:animRot by="-240000">
-                                      <p:cBhvr>
-                                        <p:cTn id="12" dur="200" fill="hold">
-                                          <p:stCondLst>
-                                            <p:cond delay="600"/>
-                                          </p:stCondLst>
-                                        </p:cTn>
-                                        <p:tgtEl>
-                                          <p:spTgt spid="12"/>
-                                        </p:tgtEl>
-                                        <p:attrNameLst>
-                                          <p:attrName>r</p:attrName>
-                                        </p:attrNameLst>
-                                      </p:cBhvr>
-                                    </p:animRot>
-                                    <p:animRot by="120000">
-                                      <p:cBhvr>
-                                        <p:cTn id="13" dur="200" fill="hold">
-                                          <p:stCondLst>
-                                            <p:cond delay="800"/>
-                                          </p:stCondLst>
-                                        </p:cTn>
-                                        <p:tgtEl>
-                                          <p:spTgt spid="12"/>
-                                        </p:tgtEl>
-                                        <p:attrNameLst>
-                                          <p:attrName>r</p:attrName>
-                                        </p:attrNameLst>
-                                      </p:cBhvr>
-                                    </p:animRot>
-                                  </p:childTnLst>
-                                </p:cTn>
-                              </p:par>
-                            </p:childTnLst>
-                          </p:cTn>
-                        </p:par>
-                        <p:par>
-                          <p:cTn id="14" fill="hold">
-                            <p:stCondLst>
-                              <p:cond delay="1000"/>
-                            </p:stCondLst>
-                            <p:childTnLst>
-                              <p:par>
-                                <p:cTn id="15" presetID="26" presetClass="emph" presetSubtype="0" fill="hold" grpId="0" nodeType="afterEffect">
-                                  <p:stCondLst>
-                                    <p:cond delay="0"/>
-                                  </p:stCondLst>
-                                  <p:childTnLst>
-                                    <p:animEffect transition="out" filter="fade">
-                                      <p:cBhvr>
-                                        <p:cTn id="16" dur="500" tmFilter="0, 0; .2, .5; .8, .5; 1, 0"/>
-                                        <p:tgtEl>
-                                          <p:spTgt spid="13"/>
-                                        </p:tgtEl>
-                                      </p:cBhvr>
-                                    </p:animEffect>
-                                    <p:animScale>
-                                      <p:cBhvr>
-                                        <p:cTn id="17" dur="250" autoRev="1" fill="hold"/>
-                                        <p:tgtEl>
-                                          <p:spTgt spid="13"/>
-                                        </p:tgtEl>
-                                      </p:cBhvr>
-                                      <p:by x="105000" y="105000"/>
-                                    </p:animScale>
-                                  </p:childTnLst>
-                                </p:cTn>
-                              </p:par>
-                            </p:childTnLst>
-                          </p:cTn>
-                        </p:par>
-                        <p:par>
-                          <p:cTn id="18" fill="hold">
-                            <p:stCondLst>
-                              <p:cond delay="1500"/>
-                            </p:stCondLst>
-                            <p:childTnLst>
-                              <p:par>
-                                <p:cTn id="19" presetID="42" presetClass="entr" presetSubtype="0" fill="hold" grpId="0" nodeType="afterEffect">
-                                  <p:stCondLst>
-                                    <p:cond delay="0"/>
-                                  </p:stCondLst>
-                                  <p:childTnLst>
-                                    <p:set>
-                                      <p:cBhvr>
-                                        <p:cTn id="20" dur="1" fill="hold">
-                                          <p:stCondLst>
-                                            <p:cond delay="0"/>
-                                          </p:stCondLst>
-                                        </p:cTn>
-                                        <p:tgtEl>
-                                          <p:spTgt spid="10"/>
-                                        </p:tgtEl>
-                                        <p:attrNameLst>
-                                          <p:attrName>style.visibility</p:attrName>
-                                        </p:attrNameLst>
-                                      </p:cBhvr>
-                                      <p:to>
-                                        <p:strVal val="visible"/>
-                                      </p:to>
-                                    </p:set>
-                                    <p:animEffect transition="in" filter="fade">
-                                      <p:cBhvr>
-                                        <p:cTn id="21" dur="1000"/>
-                                        <p:tgtEl>
-                                          <p:spTgt spid="10"/>
-                                        </p:tgtEl>
-                                      </p:cBhvr>
-                                    </p:animEffect>
-                                    <p:anim calcmode="lin" valueType="num">
-                                      <p:cBhvr>
-                                        <p:cTn id="22" dur="1000" fill="hold"/>
-                                        <p:tgtEl>
-                                          <p:spTgt spid="10"/>
-                                        </p:tgtEl>
-                                        <p:attrNameLst>
-                                          <p:attrName>ppt_x</p:attrName>
-                                        </p:attrNameLst>
-                                      </p:cBhvr>
-                                      <p:tavLst>
-                                        <p:tav tm="0">
-                                          <p:val>
-                                            <p:strVal val="#ppt_x"/>
-                                          </p:val>
-                                        </p:tav>
-                                        <p:tav tm="100000">
-                                          <p:val>
-                                            <p:strVal val="#ppt_x"/>
-                                          </p:val>
-                                        </p:tav>
-                                      </p:tavLst>
-                                    </p:anim>
-                                    <p:anim calcmode="lin" valueType="num">
-                                      <p:cBhvr>
-                                        <p:cTn id="23" dur="1000" fill="hold"/>
-                                        <p:tgtEl>
-                                          <p:spTgt spid="10"/>
-                                        </p:tgtEl>
-                                        <p:attrNameLst>
-                                          <p:attrName>ppt_y</p:attrName>
-                                        </p:attrNameLst>
-                                      </p:cBhvr>
-                                      <p:tavLst>
-                                        <p:tav tm="0">
-                                          <p:val>
-                                            <p:strVal val="#ppt_y+.1"/>
-                                          </p:val>
-                                        </p:tav>
-                                        <p:tav tm="100000">
-                                          <p:val>
-                                            <p:strVal val="#ppt_y"/>
-                                          </p:val>
-                                        </p:tav>
-                                      </p:tavLst>
-                                    </p:anim>
-                                  </p:childTnLst>
-                                </p:cTn>
-                              </p:par>
-                            </p:childTnLst>
-                          </p:cTn>
-                        </p:par>
-                      </p:childTnLst>
-                    </p:cTn>
-                  </p:par>
-                </p:childTnLst>
-              </p:cTn>
-              <p:prevCondLst>
-                <p:cond evt="onPrev" delay="0">
-                  <p:tgtEl>
-                    <p:sldTgt/>
-                  </p:tgtEl>
-                </p:cond>
-              </p:prevCondLst>
-              <p:nextCondLst>
-                <p:cond evt="onNext" delay="0">
-                  <p:tgtEl>
-                    <p:sldTgt/>
-                  </p:tgtEl>
-                </p:cond>
-              </p:nextCondLst>
-            </p:seq>
-          </p:childTnLst>
-        </p:cTn>
-      </p:par>
-    </p:tnLst>
-    <p:bldLst>
-      <p:bldP spid="8" grpId="0"/>
-      <p:bldP spid="10" grpId="0"/>
-      <p:bldP spid="13" grpId="0"/>
-    </p:bldLst>
   </p:timing>
 </p:sld>
 </file>
@@ -28677,6 +28854,15 @@
 </file>
 
 <file path=customXml/item1.xml><?xml version="1.0" encoding="utf-8"?>
+<?mso-contentType ?>
+<FormTemplates xmlns="http://schemas.microsoft.com/sharepoint/v3/contenttype/forms">
+  <Display>DocumentLibraryForm</Display>
+  <Edit>DocumentLibraryForm</Edit>
+  <New>DocumentLibraryForm</New>
+</FormTemplates>
+</file>
+
+<file path=customXml/item2.xml><?xml version="1.0" encoding="utf-8"?>
 <ct:contentTypeSchema xmlns:ct="http://schemas.microsoft.com/office/2006/metadata/contentType" xmlns:ma="http://schemas.microsoft.com/office/2006/metadata/properties/metaAttributes" ct:_="" ma:_="" ma:contentTypeName="Document" ma:contentTypeID="0x010100DEEA25CC0A0AC24199CDC46C25B8B0BC" ma:contentTypeVersion="10" ma:contentTypeDescription="Create a new document." ma:contentTypeScope="" ma:versionID="e3b47856d4cf355c0dacb39e1084d14f">
   <xsd:schema xmlns:xsd="http://www.w3.org/2001/XMLSchema" xmlns:xs="http://www.w3.org/2001/XMLSchema" xmlns:p="http://schemas.microsoft.com/office/2006/metadata/properties" xmlns:ns1="http://schemas.microsoft.com/sharepoint/v3" xmlns:ns2="6dc4bcd6-49db-4c07-9060-8acfc67cef9f" xmlns:ns3="fb0879af-3eba-417a-a55a-ffe6dcd6ca77" targetNamespace="http://schemas.microsoft.com/office/2006/metadata/properties" ma:root="true" ma:fieldsID="a845a615265fdb1f7b12cc65ac20ecbd" ns1:_="" ns2:_="" ns3:_="">
     <xsd:import namespace="http://schemas.microsoft.com/sharepoint/v3"/>
@@ -28884,15 +29070,6 @@
 </ct:contentTypeSchema>
 </file>
 
-<file path=customXml/item2.xml><?xml version="1.0" encoding="utf-8"?>
-<?mso-contentType ?>
-<FormTemplates xmlns="http://schemas.microsoft.com/sharepoint/v3/contenttype/forms">
-  <Display>DocumentLibraryForm</Display>
-  <Edit>DocumentLibraryForm</Edit>
-  <New>DocumentLibraryForm</New>
-</FormTemplates>
-</file>
-
 <file path=customXml/item3.xml><?xml version="1.0" encoding="utf-8"?>
 <p:properties xmlns:p="http://schemas.microsoft.com/office/2006/metadata/properties" xmlns:xsi="http://www.w3.org/2001/XMLSchema-instance" xmlns:pc="http://schemas.microsoft.com/office/infopath/2007/PartnerControls">
   <documentManagement>
@@ -28903,6 +29080,14 @@
 </file>
 
 <file path=customXml/itemProps1.xml><?xml version="1.0" encoding="utf-8"?>
+<ds:datastoreItem xmlns:ds="http://schemas.openxmlformats.org/officeDocument/2006/customXml" ds:itemID="{8C5154C8-4BB5-43F2-9F6C-5E79271A0D50}">
+  <ds:schemaRefs>
+    <ds:schemaRef ds:uri="http://schemas.microsoft.com/sharepoint/v3/contenttype/forms"/>
+  </ds:schemaRefs>
+</ds:datastoreItem>
+</file>
+
+<file path=customXml/itemProps2.xml><?xml version="1.0" encoding="utf-8"?>
 <ds:datastoreItem xmlns:ds="http://schemas.openxmlformats.org/officeDocument/2006/customXml" ds:itemID="{F2807890-83DC-4772-9CAD-F7CB30099A10}">
   <ds:schemaRefs>
     <ds:schemaRef ds:uri="http://schemas.microsoft.com/office/2006/metadata/contentType"/>
@@ -28922,28 +29107,20 @@
 </ds:datastoreItem>
 </file>
 
-<file path=customXml/itemProps2.xml><?xml version="1.0" encoding="utf-8"?>
-<ds:datastoreItem xmlns:ds="http://schemas.openxmlformats.org/officeDocument/2006/customXml" ds:itemID="{8C5154C8-4BB5-43F2-9F6C-5E79271A0D50}">
-  <ds:schemaRefs>
-    <ds:schemaRef ds:uri="http://schemas.microsoft.com/sharepoint/v3/contenttype/forms"/>
-  </ds:schemaRefs>
-</ds:datastoreItem>
-</file>
-
 <file path=customXml/itemProps3.xml><?xml version="1.0" encoding="utf-8"?>
 <ds:datastoreItem xmlns:ds="http://schemas.openxmlformats.org/officeDocument/2006/customXml" ds:itemID="{947A0EF5-23A9-4627-BC46-745B7DD804D2}">
   <ds:schemaRefs>
+    <ds:schemaRef ds:uri="http://schemas.microsoft.com/office/infopath/2007/PartnerControls"/>
     <ds:schemaRef ds:uri="http://purl.org/dc/dcmitype/"/>
+    <ds:schemaRef ds:uri="http://schemas.microsoft.com/office/2006/metadata/properties"/>
+    <ds:schemaRef ds:uri="http://purl.org/dc/elements/1.1/"/>
+    <ds:schemaRef ds:uri="http://schemas.microsoft.com/sharepoint/v3"/>
     <ds:schemaRef ds:uri="http://schemas.openxmlformats.org/package/2006/metadata/core-properties"/>
     <ds:schemaRef ds:uri="6dc4bcd6-49db-4c07-9060-8acfc67cef9f"/>
-    <ds:schemaRef ds:uri="http://purl.org/dc/elements/1.1/"/>
-    <ds:schemaRef ds:uri="http://schemas.microsoft.com/office/infopath/2007/PartnerControls"/>
+    <ds:schemaRef ds:uri="http://schemas.microsoft.com/office/2006/documentManagement/types"/>
     <ds:schemaRef ds:uri="fb0879af-3eba-417a-a55a-ffe6dcd6ca77"/>
-    <ds:schemaRef ds:uri="http://schemas.microsoft.com/office/2006/documentManagement/types"/>
-    <ds:schemaRef ds:uri="http://schemas.microsoft.com/office/2006/metadata/properties"/>
+    <ds:schemaRef ds:uri="http://www.w3.org/XML/1998/namespace"/>
     <ds:schemaRef ds:uri="http://purl.org/dc/terms/"/>
-    <ds:schemaRef ds:uri="http://schemas.microsoft.com/sharepoint/v3"/>
-    <ds:schemaRef ds:uri="http://www.w3.org/XML/1998/namespace"/>
   </ds:schemaRefs>
 </ds:datastoreItem>
 </file>
--- a/Student Portal PPT.pptx
+++ b/Student Portal PPT.pptx
@@ -243,7 +243,7 @@
           <a:p>
             <a:fld id="{9E88B8F3-31C2-4698-B74C-D5D76CFD8ACD}" type="datetimeFigureOut">
               <a:rPr lang="ru-RU" smtClean="0"/>
-              <a:t>24.05.2019</a:t>
+              <a:t>28.05.2019</a:t>
             </a:fld>
             <a:endParaRPr lang="ru-RU" dirty="0"/>
           </a:p>
@@ -420,7 +420,7 @@
           <a:p>
             <a:fld id="{7000EB3D-2307-4317-8A1D-B47FA45245F0}" type="datetimeFigureOut">
               <a:rPr lang="ru-RU" smtClean="0"/>
-              <a:t>24.05.2019</a:t>
+              <a:t>28.05.2019</a:t>
             </a:fld>
             <a:endParaRPr lang="ru-RU" dirty="0"/>
           </a:p>
@@ -13924,6 +13924,12 @@
             </a:r>
             <a:endParaRPr lang="en-US" sz="2000" dirty="0"/>
           </a:p>
+          <a:p>
+            <a:r>
+              <a:rPr lang="en-US" sz="2000" dirty="0"/>
+              <a:t>- Ankit Bansal</a:t>
+            </a:r>
+          </a:p>
         </p:txBody>
       </p:sp>
       <p:sp>
@@ -14795,21 +14801,143 @@
                             </p:childTnLst>
                           </p:cTn>
                         </p:par>
+                      </p:childTnLst>
+                    </p:cTn>
+                  </p:par>
+                  <p:par>
+                    <p:cTn id="48" fill="hold">
+                      <p:stCondLst>
+                        <p:cond delay="indefinite"/>
+                      </p:stCondLst>
+                      <p:childTnLst>
                         <p:par>
-                          <p:cTn id="48" fill="hold">
+                          <p:cTn id="49" fill="hold">
                             <p:stCondLst>
-                              <p:cond delay="5650"/>
+                              <p:cond delay="0"/>
                             </p:stCondLst>
                             <p:childTnLst>
                               <p:par>
-                                <p:cTn id="49" presetID="26" presetClass="emph" presetSubtype="0" repeatCount="3000" fill="hold" grpId="0" nodeType="afterEffect">
+                                <p:cTn id="50" presetID="32" presetClass="emph" presetSubtype="0" fill="hold" grpId="0" nodeType="clickEffect">
+                                  <p:stCondLst>
+                                    <p:cond delay="0"/>
+                                  </p:stCondLst>
+                                  <p:childTnLst>
+                                    <p:animRot by="120000">
+                                      <p:cBhvr>
+                                        <p:cTn id="51" dur="100" fill="hold">
+                                          <p:stCondLst>
+                                            <p:cond delay="0"/>
+                                          </p:stCondLst>
+                                        </p:cTn>
+                                        <p:tgtEl>
+                                          <p:spTgt spid="5">
+                                            <p:txEl>
+                                              <p:pRg st="2" end="2"/>
+                                            </p:txEl>
+                                          </p:spTgt>
+                                        </p:tgtEl>
+                                        <p:attrNameLst>
+                                          <p:attrName>r</p:attrName>
+                                        </p:attrNameLst>
+                                      </p:cBhvr>
+                                    </p:animRot>
+                                    <p:animRot by="-240000">
+                                      <p:cBhvr>
+                                        <p:cTn id="52" dur="200" fill="hold">
+                                          <p:stCondLst>
+                                            <p:cond delay="200"/>
+                                          </p:stCondLst>
+                                        </p:cTn>
+                                        <p:tgtEl>
+                                          <p:spTgt spid="5">
+                                            <p:txEl>
+                                              <p:pRg st="2" end="2"/>
+                                            </p:txEl>
+                                          </p:spTgt>
+                                        </p:tgtEl>
+                                        <p:attrNameLst>
+                                          <p:attrName>r</p:attrName>
+                                        </p:attrNameLst>
+                                      </p:cBhvr>
+                                    </p:animRot>
+                                    <p:animRot by="240000">
+                                      <p:cBhvr>
+                                        <p:cTn id="53" dur="200" fill="hold">
+                                          <p:stCondLst>
+                                            <p:cond delay="400"/>
+                                          </p:stCondLst>
+                                        </p:cTn>
+                                        <p:tgtEl>
+                                          <p:spTgt spid="5">
+                                            <p:txEl>
+                                              <p:pRg st="2" end="2"/>
+                                            </p:txEl>
+                                          </p:spTgt>
+                                        </p:tgtEl>
+                                        <p:attrNameLst>
+                                          <p:attrName>r</p:attrName>
+                                        </p:attrNameLst>
+                                      </p:cBhvr>
+                                    </p:animRot>
+                                    <p:animRot by="-240000">
+                                      <p:cBhvr>
+                                        <p:cTn id="54" dur="200" fill="hold">
+                                          <p:stCondLst>
+                                            <p:cond delay="600"/>
+                                          </p:stCondLst>
+                                        </p:cTn>
+                                        <p:tgtEl>
+                                          <p:spTgt spid="5">
+                                            <p:txEl>
+                                              <p:pRg st="2" end="2"/>
+                                            </p:txEl>
+                                          </p:spTgt>
+                                        </p:tgtEl>
+                                        <p:attrNameLst>
+                                          <p:attrName>r</p:attrName>
+                                        </p:attrNameLst>
+                                      </p:cBhvr>
+                                    </p:animRot>
+                                    <p:animRot by="120000">
+                                      <p:cBhvr>
+                                        <p:cTn id="55" dur="200" fill="hold">
+                                          <p:stCondLst>
+                                            <p:cond delay="800"/>
+                                          </p:stCondLst>
+                                        </p:cTn>
+                                        <p:tgtEl>
+                                          <p:spTgt spid="5">
+                                            <p:txEl>
+                                              <p:pRg st="2" end="2"/>
+                                            </p:txEl>
+                                          </p:spTgt>
+                                        </p:tgtEl>
+                                        <p:attrNameLst>
+                                          <p:attrName>r</p:attrName>
+                                        </p:attrNameLst>
+                                      </p:cBhvr>
+                                    </p:animRot>
+                                  </p:childTnLst>
+                                </p:cTn>
+                              </p:par>
+                            </p:childTnLst>
+                          </p:cTn>
+                        </p:par>
+                        <p:par>
+                          <p:cTn id="56" fill="hold">
+                            <p:stCondLst>
+                              <p:cond delay="1000"/>
+                            </p:stCondLst>
+                            <p:childTnLst>
+                              <p:par>
+                                <p:cTn id="57" presetID="26" presetClass="emph" presetSubtype="0" repeatCount="3000" fill="hold" grpId="0" nodeType="afterEffect">
                                   <p:stCondLst>
                                     <p:cond delay="0"/>
                                   </p:stCondLst>
                                   <p:childTnLst>
                                     <p:animEffect transition="out" filter="fade">
                                       <p:cBhvr>
-                                        <p:cTn id="50" dur="1000" tmFilter="0, 0; .2, .5; .8, .5; 1, 0"/>
+                                        <p:cTn id="58" dur="1000" tmFilter="0, 0; .2, .5; .8, .5; 1, 0"/>
                                         <p:tgtEl>
                                           <p:spTgt spid="2"/>
                                         </p:tgtEl>
@@ -14817,7 +14945,7 @@
                                     </p:animEffect>
                                     <p:animScale>
                                       <p:cBhvr>
-                                        <p:cTn id="51" dur="500" autoRev="1" fill="hold"/>
+                                        <p:cTn id="59" dur="500" autoRev="1" fill="hold"/>
                                         <p:tgtEl>
                                           <p:spTgt spid="2"/>
                                         </p:tgtEl>
@@ -28854,15 +28982,6 @@
 </file>
 
 <file path=customXml/item1.xml><?xml version="1.0" encoding="utf-8"?>
-<?mso-contentType ?>
-<FormTemplates xmlns="http://schemas.microsoft.com/sharepoint/v3/contenttype/forms">
-  <Display>DocumentLibraryForm</Display>
-  <Edit>DocumentLibraryForm</Edit>
-  <New>DocumentLibraryForm</New>
-</FormTemplates>
-</file>
-
-<file path=customXml/item2.xml><?xml version="1.0" encoding="utf-8"?>
 <ct:contentTypeSchema xmlns:ct="http://schemas.microsoft.com/office/2006/metadata/contentType" xmlns:ma="http://schemas.microsoft.com/office/2006/metadata/properties/metaAttributes" ct:_="" ma:_="" ma:contentTypeName="Document" ma:contentTypeID="0x010100DEEA25CC0A0AC24199CDC46C25B8B0BC" ma:contentTypeVersion="10" ma:contentTypeDescription="Create a new document." ma:contentTypeScope="" ma:versionID="e3b47856d4cf355c0dacb39e1084d14f">
   <xsd:schema xmlns:xsd="http://www.w3.org/2001/XMLSchema" xmlns:xs="http://www.w3.org/2001/XMLSchema" xmlns:p="http://schemas.microsoft.com/office/2006/metadata/properties" xmlns:ns1="http://schemas.microsoft.com/sharepoint/v3" xmlns:ns2="6dc4bcd6-49db-4c07-9060-8acfc67cef9f" xmlns:ns3="fb0879af-3eba-417a-a55a-ffe6dcd6ca77" targetNamespace="http://schemas.microsoft.com/office/2006/metadata/properties" ma:root="true" ma:fieldsID="a845a615265fdb1f7b12cc65ac20ecbd" ns1:_="" ns2:_="" ns3:_="">
     <xsd:import namespace="http://schemas.microsoft.com/sharepoint/v3"/>
@@ -29070,7 +29189,7 @@
 </ct:contentTypeSchema>
 </file>
 
-<file path=customXml/item3.xml><?xml version="1.0" encoding="utf-8"?>
+<file path=customXml/item2.xml><?xml version="1.0" encoding="utf-8"?>
 <p:properties xmlns:p="http://schemas.microsoft.com/office/2006/metadata/properties" xmlns:xsi="http://www.w3.org/2001/XMLSchema-instance" xmlns:pc="http://schemas.microsoft.com/office/infopath/2007/PartnerControls">
   <documentManagement>
     <_ip_UnifiedCompliancePolicyUIAction xmlns="http://schemas.microsoft.com/sharepoint/v3" xsi:nil="true"/>
@@ -29079,15 +29198,16 @@
 </p:properties>
 </file>
 
-<file path=customXml/itemProps1.xml><?xml version="1.0" encoding="utf-8"?>
-<ds:datastoreItem xmlns:ds="http://schemas.openxmlformats.org/officeDocument/2006/customXml" ds:itemID="{8C5154C8-4BB5-43F2-9F6C-5E79271A0D50}">
-  <ds:schemaRefs>
-    <ds:schemaRef ds:uri="http://schemas.microsoft.com/sharepoint/v3/contenttype/forms"/>
-  </ds:schemaRefs>
-</ds:datastoreItem>
+<file path=customXml/item3.xml><?xml version="1.0" encoding="utf-8"?>
+<?mso-contentType ?>
+<FormTemplates xmlns="http://schemas.microsoft.com/sharepoint/v3/contenttype/forms">
+  <Display>DocumentLibraryForm</Display>
+  <Edit>DocumentLibraryForm</Edit>
+  <New>DocumentLibraryForm</New>
+</FormTemplates>
 </file>
 
-<file path=customXml/itemProps2.xml><?xml version="1.0" encoding="utf-8"?>
+<file path=customXml/itemProps1.xml><?xml version="1.0" encoding="utf-8"?>
 <ds:datastoreItem xmlns:ds="http://schemas.openxmlformats.org/officeDocument/2006/customXml" ds:itemID="{F2807890-83DC-4772-9CAD-F7CB30099A10}">
   <ds:schemaRefs>
     <ds:schemaRef ds:uri="http://schemas.microsoft.com/office/2006/metadata/contentType"/>
@@ -29107,7 +29227,7 @@
 </ds:datastoreItem>
 </file>
 
-<file path=customXml/itemProps3.xml><?xml version="1.0" encoding="utf-8"?>
+<file path=customXml/itemProps2.xml><?xml version="1.0" encoding="utf-8"?>
 <ds:datastoreItem xmlns:ds="http://schemas.openxmlformats.org/officeDocument/2006/customXml" ds:itemID="{947A0EF5-23A9-4627-BC46-745B7DD804D2}">
   <ds:schemaRefs>
     <ds:schemaRef ds:uri="http://schemas.microsoft.com/office/infopath/2007/PartnerControls"/>
@@ -29123,4 +29243,12 @@
     <ds:schemaRef ds:uri="http://purl.org/dc/terms/"/>
   </ds:schemaRefs>
 </ds:datastoreItem>
+</file>
+
+<file path=customXml/itemProps3.xml><?xml version="1.0" encoding="utf-8"?>
+<ds:datastoreItem xmlns:ds="http://schemas.openxmlformats.org/officeDocument/2006/customXml" ds:itemID="{8C5154C8-4BB5-43F2-9F6C-5E79271A0D50}">
+  <ds:schemaRefs>
+    <ds:schemaRef ds:uri="http://schemas.microsoft.com/sharepoint/v3/contenttype/forms"/>
+  </ds:schemaRefs>
+</ds:datastoreItem>
 </file>